--- a/Python体验课.pptx
+++ b/Python体验课.pptx
@@ -1,28 +1,31 @@
 
 <file path=ppt/presentation.xml><?xml version="1.0" encoding="utf-8"?>
-<p:presentation xmlns:a="http://schemas.openxmlformats.org/drawingml/2006/main" xmlns:r="http://schemas.openxmlformats.org/officeDocument/2006/relationships" xmlns:p="http://schemas.openxmlformats.org/presentationml/2006/main" saveSubsetFonts="1">
+<p:presentation xmlns:a="http://schemas.openxmlformats.org/drawingml/2006/main" xmlns:r="http://schemas.openxmlformats.org/officeDocument/2006/relationships" xmlns:p="http://schemas.openxmlformats.org/presentationml/2006/main">
   <p:sldMasterIdLst>
     <p:sldMasterId id="2147483648" r:id="rId1"/>
   </p:sldMasterIdLst>
+  <p:notesMasterIdLst>
+    <p:notesMasterId r:id="rId13"/>
+  </p:notesMasterIdLst>
   <p:sldIdLst>
-    <p:sldId id="272" r:id="rId2"/>
-    <p:sldId id="273" r:id="rId3"/>
-    <p:sldId id="274" r:id="rId4"/>
-    <p:sldId id="275" r:id="rId5"/>
-    <p:sldId id="276" r:id="rId6"/>
-    <p:sldId id="277" r:id="rId7"/>
-    <p:sldId id="278" r:id="rId8"/>
-    <p:sldId id="279" r:id="rId9"/>
-    <p:sldId id="280" r:id="rId10"/>
-    <p:sldId id="281" r:id="rId11"/>
-    <p:sldId id="282" r:id="rId12"/>
-    <p:sldId id="283" r:id="rId13"/>
-    <p:sldId id="284" r:id="rId14"/>
-    <p:sldId id="285" r:id="rId15"/>
-    <p:sldId id="286" r:id="rId16"/>
+    <p:sldId id="272" r:id="rId3"/>
+    <p:sldId id="273" r:id="rId4"/>
+    <p:sldId id="274" r:id="rId5"/>
+    <p:sldId id="275" r:id="rId6"/>
+    <p:sldId id="276" r:id="rId7"/>
+    <p:sldId id="277" r:id="rId8"/>
+    <p:sldId id="278" r:id="rId9"/>
+    <p:sldId id="279" r:id="rId10"/>
+    <p:sldId id="280" r:id="rId11"/>
+    <p:sldId id="281" r:id="rId12"/>
+    <p:sldId id="282" r:id="rId14"/>
+    <p:sldId id="283" r:id="rId15"/>
+    <p:sldId id="284" r:id="rId16"/>
+    <p:sldId id="285" r:id="rId17"/>
+    <p:sldId id="286" r:id="rId18"/>
   </p:sldIdLst>
   <p:sldSz cx="12192000" cy="6858000"/>
-  <p:notesSz cx="7104063" cy="10234613"/>
+  <p:notesSz cx="7103745" cy="10234295"/>
   <p:defaultTextStyle>
     <a:defPPr>
       <a:defRPr lang="zh-CN"/>
@@ -118,12 +121,398 @@
       </a:defRPr>
     </a:lvl9pPr>
   </p:defaultTextStyle>
-  <p:extLst>
-    <p:ext uri="{EFAFB233-063F-42B5-8137-9DF3F51BA10A}">
-      <p15:sldGuideLst xmlns:p15="http://schemas.microsoft.com/office/powerpoint/2012/main"/>
-    </p:ext>
-  </p:extLst>
 </p:presentation>
+</file>
+
+<file path=ppt/notesMasters/notesMaster1.xml><?xml version="1.0" encoding="utf-8"?>
+<p:notesMaster xmlns:a="http://schemas.openxmlformats.org/drawingml/2006/main" xmlns:r="http://schemas.openxmlformats.org/officeDocument/2006/relationships" xmlns:p="http://schemas.openxmlformats.org/presentationml/2006/main">
+  <p:cSld>
+    <p:bg>
+      <p:bgRef idx="1001">
+        <a:schemeClr val="bg1"/>
+      </p:bgRef>
+    </p:bg>
+    <p:spTree>
+      <p:nvGrpSpPr>
+        <p:cNvPr id="1" name=""/>
+        <p:cNvGrpSpPr/>
+        <p:nvPr/>
+      </p:nvGrpSpPr>
+      <p:grpSpPr>
+        <a:xfrm>
+          <a:off x="0" y="0"/>
+          <a:ext cx="0" cy="0"/>
+          <a:chOff x="0" y="0"/>
+          <a:chExt cx="0" cy="0"/>
+        </a:xfrm>
+      </p:grpSpPr>
+      <p:sp>
+        <p:nvSpPr>
+          <p:cNvPr id="2" name="页眉占位符 1"/>
+          <p:cNvSpPr>
+            <a:spLocks noGrp="1"/>
+          </p:cNvSpPr>
+          <p:nvPr>
+            <p:ph type="hdr" sz="quarter"/>
+          </p:nvPr>
+        </p:nvSpPr>
+        <p:spPr>
+          <a:xfrm>
+            <a:off x="0" y="0"/>
+            <a:ext cx="3078290" cy="513492"/>
+          </a:xfrm>
+          <a:prstGeom prst="rect">
+            <a:avLst/>
+          </a:prstGeom>
+        </p:spPr>
+        <p:txBody>
+          <a:bodyPr vert="horz" lIns="91440" tIns="45720" rIns="91440" bIns="45720" rtlCol="0"/>
+          <a:lstStyle>
+            <a:lvl1pPr algn="l">
+              <a:defRPr sz="1200"/>
+            </a:lvl1pPr>
+          </a:lstStyle>
+          <a:p>
+            <a:endParaRPr lang="zh-CN" altLang="en-US"/>
+          </a:p>
+        </p:txBody>
+      </p:sp>
+      <p:sp>
+        <p:nvSpPr>
+          <p:cNvPr id="3" name="日期占位符 2"/>
+          <p:cNvSpPr>
+            <a:spLocks noGrp="1"/>
+          </p:cNvSpPr>
+          <p:nvPr>
+            <p:ph type="dt" idx="1"/>
+          </p:nvPr>
+        </p:nvSpPr>
+        <p:spPr>
+          <a:xfrm>
+            <a:off x="4023812" y="0"/>
+            <a:ext cx="3078290" cy="513492"/>
+          </a:xfrm>
+          <a:prstGeom prst="rect">
+            <a:avLst/>
+          </a:prstGeom>
+        </p:spPr>
+        <p:txBody>
+          <a:bodyPr vert="horz" lIns="91440" tIns="45720" rIns="91440" bIns="45720" rtlCol="0"/>
+          <a:lstStyle>
+            <a:lvl1pPr algn="r">
+              <a:defRPr sz="1200"/>
+            </a:lvl1pPr>
+          </a:lstStyle>
+          <a:p>
+            <a:fld id="{D2A48B96-639E-45A3-A0BA-2464DFDB1FAA}" type="datetimeFigureOut">
+              <a:rPr lang="zh-CN" altLang="en-US" smtClean="0"/>
+            </a:fld>
+            <a:endParaRPr lang="zh-CN" altLang="en-US"/>
+          </a:p>
+        </p:txBody>
+      </p:sp>
+      <p:sp>
+        <p:nvSpPr>
+          <p:cNvPr id="4" name="幻灯片图像占位符 3"/>
+          <p:cNvSpPr>
+            <a:spLocks noGrp="1" noRot="1" noChangeAspect="1"/>
+          </p:cNvSpPr>
+          <p:nvPr>
+            <p:ph type="sldImg" idx="2"/>
+          </p:nvPr>
+        </p:nvSpPr>
+        <p:spPr>
+          <a:xfrm>
+            <a:off x="481584" y="1279287"/>
+            <a:ext cx="6140577" cy="3454075"/>
+          </a:xfrm>
+          <a:prstGeom prst="rect">
+            <a:avLst/>
+          </a:prstGeom>
+          <a:noFill/>
+          <a:ln w="12700">
+            <a:solidFill>
+              <a:prstClr val="black"/>
+            </a:solidFill>
+          </a:ln>
+        </p:spPr>
+        <p:txBody>
+          <a:bodyPr vert="horz" lIns="91440" tIns="45720" rIns="91440" bIns="45720" rtlCol="0" anchor="ctr"/>
+          <a:lstStyle/>
+          <a:p>
+            <a:endParaRPr lang="zh-CN" altLang="en-US"/>
+          </a:p>
+        </p:txBody>
+      </p:sp>
+      <p:sp>
+        <p:nvSpPr>
+          <p:cNvPr id="5" name="备注占位符 4"/>
+          <p:cNvSpPr>
+            <a:spLocks noGrp="1"/>
+          </p:cNvSpPr>
+          <p:nvPr>
+            <p:ph type="body" sz="quarter" idx="3"/>
+          </p:nvPr>
+        </p:nvSpPr>
+        <p:spPr>
+          <a:xfrm>
+            <a:off x="710375" y="4925254"/>
+            <a:ext cx="5682996" cy="4029754"/>
+          </a:xfrm>
+          <a:prstGeom prst="rect">
+            <a:avLst/>
+          </a:prstGeom>
+        </p:spPr>
+        <p:txBody>
+          <a:bodyPr vert="horz" lIns="91440" tIns="45720" rIns="91440" bIns="45720" rtlCol="0"/>
+          <a:lstStyle/>
+          <a:p>
+            <a:pPr lvl="0"/>
+            <a:r>
+              <a:rPr lang="zh-CN" altLang="en-US" smtClean="0"/>
+              <a:t>单击此处编辑母版文本样式</a:t>
+            </a:r>
+            <a:endParaRPr lang="zh-CN" altLang="en-US" smtClean="0"/>
+          </a:p>
+          <a:p>
+            <a:pPr lvl="1"/>
+            <a:r>
+              <a:rPr lang="zh-CN" altLang="en-US" smtClean="0"/>
+              <a:t>第二级</a:t>
+            </a:r>
+            <a:endParaRPr lang="zh-CN" altLang="en-US" smtClean="0"/>
+          </a:p>
+          <a:p>
+            <a:pPr lvl="2"/>
+            <a:r>
+              <a:rPr lang="zh-CN" altLang="en-US" smtClean="0"/>
+              <a:t>第三级</a:t>
+            </a:r>
+            <a:endParaRPr lang="zh-CN" altLang="en-US" smtClean="0"/>
+          </a:p>
+          <a:p>
+            <a:pPr lvl="3"/>
+            <a:r>
+              <a:rPr lang="zh-CN" altLang="en-US" smtClean="0"/>
+              <a:t>第四级</a:t>
+            </a:r>
+            <a:endParaRPr lang="zh-CN" altLang="en-US" smtClean="0"/>
+          </a:p>
+          <a:p>
+            <a:pPr lvl="4"/>
+            <a:r>
+              <a:rPr lang="zh-CN" altLang="en-US" smtClean="0"/>
+              <a:t>第五级</a:t>
+            </a:r>
+            <a:endParaRPr lang="zh-CN" altLang="en-US"/>
+          </a:p>
+        </p:txBody>
+      </p:sp>
+      <p:sp>
+        <p:nvSpPr>
+          <p:cNvPr id="6" name="页脚占位符 5"/>
+          <p:cNvSpPr>
+            <a:spLocks noGrp="1"/>
+          </p:cNvSpPr>
+          <p:nvPr>
+            <p:ph type="ftr" sz="quarter" idx="4"/>
+          </p:nvPr>
+        </p:nvSpPr>
+        <p:spPr>
+          <a:xfrm>
+            <a:off x="0" y="9720804"/>
+            <a:ext cx="3078290" cy="513491"/>
+          </a:xfrm>
+          <a:prstGeom prst="rect">
+            <a:avLst/>
+          </a:prstGeom>
+        </p:spPr>
+        <p:txBody>
+          <a:bodyPr vert="horz" lIns="91440" tIns="45720" rIns="91440" bIns="45720" rtlCol="0" anchor="b"/>
+          <a:lstStyle>
+            <a:lvl1pPr algn="l">
+              <a:defRPr sz="1200"/>
+            </a:lvl1pPr>
+          </a:lstStyle>
+          <a:p>
+            <a:endParaRPr lang="zh-CN" altLang="en-US"/>
+          </a:p>
+        </p:txBody>
+      </p:sp>
+      <p:sp>
+        <p:nvSpPr>
+          <p:cNvPr id="7" name="灯片编号占位符 6"/>
+          <p:cNvSpPr>
+            <a:spLocks noGrp="1"/>
+          </p:cNvSpPr>
+          <p:nvPr>
+            <p:ph type="sldNum" sz="quarter" idx="5"/>
+          </p:nvPr>
+        </p:nvSpPr>
+        <p:spPr>
+          <a:xfrm>
+            <a:off x="4023812" y="9720804"/>
+            <a:ext cx="3078290" cy="513491"/>
+          </a:xfrm>
+          <a:prstGeom prst="rect">
+            <a:avLst/>
+          </a:prstGeom>
+        </p:spPr>
+        <p:txBody>
+          <a:bodyPr vert="horz" lIns="91440" tIns="45720" rIns="91440" bIns="45720" rtlCol="0" anchor="b"/>
+          <a:lstStyle>
+            <a:lvl1pPr algn="r">
+              <a:defRPr sz="1200"/>
+            </a:lvl1pPr>
+          </a:lstStyle>
+          <a:p>
+            <a:fld id="{A6837353-30EB-4A48-80EB-173D804AEFBD}" type="slidenum">
+              <a:rPr lang="zh-CN" altLang="en-US" smtClean="0"/>
+            </a:fld>
+            <a:endParaRPr lang="zh-CN" altLang="en-US"/>
+          </a:p>
+        </p:txBody>
+      </p:sp>
+    </p:spTree>
+  </p:cSld>
+  <p:clrMap bg1="lt1" tx1="dk1" bg2="lt2" tx2="dk2" accent1="accent1" accent2="accent2" accent3="accent3" accent4="accent4" accent5="accent5" accent6="accent6" hlink="hlink" folHlink="folHlink"/>
+  <p:notesStyle>
+    <a:lvl1pPr marL="0" algn="l" defTabSz="914400" rtl="0" eaLnBrk="1" latinLnBrk="0" hangingPunct="1">
+      <a:defRPr sz="1200" kern="1200">
+        <a:solidFill>
+          <a:schemeClr val="tx1"/>
+        </a:solidFill>
+        <a:latin typeface="+mn-lt"/>
+        <a:ea typeface="+mn-ea"/>
+        <a:cs typeface="+mn-cs"/>
+      </a:defRPr>
+    </a:lvl1pPr>
+    <a:lvl2pPr marL="457200" algn="l" defTabSz="914400" rtl="0" eaLnBrk="1" latinLnBrk="0" hangingPunct="1">
+      <a:defRPr sz="1200" kern="1200">
+        <a:solidFill>
+          <a:schemeClr val="tx1"/>
+        </a:solidFill>
+        <a:latin typeface="+mn-lt"/>
+        <a:ea typeface="+mn-ea"/>
+        <a:cs typeface="+mn-cs"/>
+      </a:defRPr>
+    </a:lvl2pPr>
+    <a:lvl3pPr marL="914400" algn="l" defTabSz="914400" rtl="0" eaLnBrk="1" latinLnBrk="0" hangingPunct="1">
+      <a:defRPr sz="1200" kern="1200">
+        <a:solidFill>
+          <a:schemeClr val="tx1"/>
+        </a:solidFill>
+        <a:latin typeface="+mn-lt"/>
+        <a:ea typeface="+mn-ea"/>
+        <a:cs typeface="+mn-cs"/>
+      </a:defRPr>
+    </a:lvl3pPr>
+    <a:lvl4pPr marL="1371600" algn="l" defTabSz="914400" rtl="0" eaLnBrk="1" latinLnBrk="0" hangingPunct="1">
+      <a:defRPr sz="1200" kern="1200">
+        <a:solidFill>
+          <a:schemeClr val="tx1"/>
+        </a:solidFill>
+        <a:latin typeface="+mn-lt"/>
+        <a:ea typeface="+mn-ea"/>
+        <a:cs typeface="+mn-cs"/>
+      </a:defRPr>
+    </a:lvl4pPr>
+    <a:lvl5pPr marL="1828800" algn="l" defTabSz="914400" rtl="0" eaLnBrk="1" latinLnBrk="0" hangingPunct="1">
+      <a:defRPr sz="1200" kern="1200">
+        <a:solidFill>
+          <a:schemeClr val="tx1"/>
+        </a:solidFill>
+        <a:latin typeface="+mn-lt"/>
+        <a:ea typeface="+mn-ea"/>
+        <a:cs typeface="+mn-cs"/>
+      </a:defRPr>
+    </a:lvl5pPr>
+    <a:lvl6pPr marL="2286000" algn="l" defTabSz="914400" rtl="0" eaLnBrk="1" latinLnBrk="0" hangingPunct="1">
+      <a:defRPr sz="1200" kern="1200">
+        <a:solidFill>
+          <a:schemeClr val="tx1"/>
+        </a:solidFill>
+        <a:latin typeface="+mn-lt"/>
+        <a:ea typeface="+mn-ea"/>
+        <a:cs typeface="+mn-cs"/>
+      </a:defRPr>
+    </a:lvl6pPr>
+    <a:lvl7pPr marL="2743200" algn="l" defTabSz="914400" rtl="0" eaLnBrk="1" latinLnBrk="0" hangingPunct="1">
+      <a:defRPr sz="1200" kern="1200">
+        <a:solidFill>
+          <a:schemeClr val="tx1"/>
+        </a:solidFill>
+        <a:latin typeface="+mn-lt"/>
+        <a:ea typeface="+mn-ea"/>
+        <a:cs typeface="+mn-cs"/>
+      </a:defRPr>
+    </a:lvl7pPr>
+    <a:lvl8pPr marL="3200400" algn="l" defTabSz="914400" rtl="0" eaLnBrk="1" latinLnBrk="0" hangingPunct="1">
+      <a:defRPr sz="1200" kern="1200">
+        <a:solidFill>
+          <a:schemeClr val="tx1"/>
+        </a:solidFill>
+        <a:latin typeface="+mn-lt"/>
+        <a:ea typeface="+mn-ea"/>
+        <a:cs typeface="+mn-cs"/>
+      </a:defRPr>
+    </a:lvl8pPr>
+    <a:lvl9pPr marL="3657600" algn="l" defTabSz="914400" rtl="0" eaLnBrk="1" latinLnBrk="0" hangingPunct="1">
+      <a:defRPr sz="1200" kern="1200">
+        <a:solidFill>
+          <a:schemeClr val="tx1"/>
+        </a:solidFill>
+        <a:latin typeface="+mn-lt"/>
+        <a:ea typeface="+mn-ea"/>
+        <a:cs typeface="+mn-cs"/>
+      </a:defRPr>
+    </a:lvl9pPr>
+  </p:notesStyle>
+</p:notesMaster>
+</file>
+
+<file path=ppt/notesSlides/notesSlide1.xml><?xml version="1.0" encoding="utf-8"?>
+<p:notes xmlns:a="http://schemas.openxmlformats.org/drawingml/2006/main" xmlns:r="http://schemas.openxmlformats.org/officeDocument/2006/relationships" xmlns:p="http://schemas.openxmlformats.org/presentationml/2006/main">
+  <p:cSld>
+    <p:spTree>
+      <p:nvGrpSpPr>
+        <p:cNvPr id="1" name=""/>
+        <p:cNvGrpSpPr/>
+        <p:nvPr/>
+      </p:nvGrpSpPr>
+      <p:grpSpPr/>
+      <p:sp>
+        <p:nvSpPr>
+          <p:cNvPr id="2" name="幻灯片图像占位符 1"/>
+          <p:cNvSpPr/>
+          <p:nvPr>
+            <p:ph type="sldImg" idx="2"/>
+          </p:nvPr>
+        </p:nvSpPr>
+        <p:spPr/>
+      </p:sp>
+      <p:sp>
+        <p:nvSpPr>
+          <p:cNvPr id="3" name="文本占位符 2"/>
+          <p:cNvSpPr/>
+          <p:nvPr>
+            <p:ph type="body" idx="3"/>
+          </p:nvPr>
+        </p:nvSpPr>
+        <p:spPr/>
+        <p:txBody>
+          <a:bodyPr/>
+          <a:p>
+            <a:endParaRPr lang="zh-CN" altLang="en-US"/>
+          </a:p>
+        </p:txBody>
+      </p:sp>
+    </p:spTree>
+  </p:cSld>
+  <p:clrMapOvr>
+    <a:masterClrMapping/>
+  </p:clrMapOvr>
+</p:notes>
 </file>
 
 <file path=ppt/slideLayouts/slideLayout1.xml><?xml version="1.0" encoding="utf-8"?>
@@ -167,6 +556,7 @@
               <a:rPr lang="zh-CN" altLang="en-US"/>
               <a:t>单击此处编辑母版标题样式</a:t>
             </a:r>
+            <a:endParaRPr lang="zh-CN" altLang="en-US"/>
           </a:p>
         </p:txBody>
       </p:sp>
@@ -285,6 +675,7 @@
               <a:rPr lang="zh-CN" altLang="en-US"/>
               <a:t>单击此处编辑母版副标题样式</a:t>
             </a:r>
+            <a:endParaRPr lang="zh-CN" altLang="en-US"/>
           </a:p>
         </p:txBody>
       </p:sp>
@@ -305,7 +696,6 @@
           <a:p>
             <a:fld id="{530820CF-B880-4189-942D-D702A7CBA730}" type="datetimeFigureOut">
               <a:rPr lang="zh-CN" altLang="en-US" smtClean="0"/>
-              <a:t>17/10/19</a:t>
             </a:fld>
             <a:endParaRPr lang="zh-CN" altLang="en-US"/>
           </a:p>
@@ -347,7 +737,6 @@
           <a:p>
             <a:fld id="{0C913308-F349-4B6D-A68A-DD1791B4A57B}" type="slidenum">
               <a:rPr lang="zh-CN" altLang="en-US" smtClean="0"/>
-              <a:t>‹#›</a:t>
             </a:fld>
             <a:endParaRPr lang="zh-CN" altLang="en-US"/>
           </a:p>
@@ -397,6 +786,7 @@
               <a:rPr lang="zh-CN" altLang="en-US"/>
               <a:t>单击此处编辑母版标题样式</a:t>
             </a:r>
+            <a:endParaRPr lang="zh-CN" altLang="en-US"/>
           </a:p>
         </p:txBody>
       </p:sp>
@@ -420,6 +810,7 @@
               <a:rPr lang="zh-CN" altLang="en-US"/>
               <a:t>单击此处编辑母版文本样式</a:t>
             </a:r>
+            <a:endParaRPr lang="zh-CN" altLang="en-US"/>
           </a:p>
           <a:p>
             <a:pPr lvl="1"/>
@@ -427,6 +818,7 @@
               <a:rPr lang="zh-CN" altLang="en-US"/>
               <a:t>第二级</a:t>
             </a:r>
+            <a:endParaRPr lang="zh-CN" altLang="en-US"/>
           </a:p>
           <a:p>
             <a:pPr lvl="2"/>
@@ -434,6 +826,7 @@
               <a:rPr lang="zh-CN" altLang="en-US"/>
               <a:t>第三级</a:t>
             </a:r>
+            <a:endParaRPr lang="zh-CN" altLang="en-US"/>
           </a:p>
           <a:p>
             <a:pPr lvl="3"/>
@@ -441,6 +834,7 @@
               <a:rPr lang="zh-CN" altLang="en-US"/>
               <a:t>第四级</a:t>
             </a:r>
+            <a:endParaRPr lang="zh-CN" altLang="en-US"/>
           </a:p>
           <a:p>
             <a:pPr lvl="4"/>
@@ -448,6 +842,7 @@
               <a:rPr lang="zh-CN" altLang="en-US"/>
               <a:t>第五级</a:t>
             </a:r>
+            <a:endParaRPr lang="zh-CN" altLang="en-US"/>
           </a:p>
         </p:txBody>
       </p:sp>
@@ -468,7 +863,6 @@
           <a:p>
             <a:fld id="{530820CF-B880-4189-942D-D702A7CBA730}" type="datetimeFigureOut">
               <a:rPr lang="zh-CN" altLang="en-US" smtClean="0"/>
-              <a:t>17/10/19</a:t>
             </a:fld>
             <a:endParaRPr lang="zh-CN" altLang="en-US"/>
           </a:p>
@@ -510,7 +904,6 @@
           <a:p>
             <a:fld id="{0C913308-F349-4B6D-A68A-DD1791B4A57B}" type="slidenum">
               <a:rPr lang="zh-CN" altLang="en-US" smtClean="0"/>
-              <a:t>‹#›</a:t>
             </a:fld>
             <a:endParaRPr lang="zh-CN" altLang="en-US"/>
           </a:p>
@@ -565,6 +958,7 @@
               <a:rPr lang="zh-CN" altLang="en-US"/>
               <a:t>单击此处编辑母版标题样式</a:t>
             </a:r>
+            <a:endParaRPr lang="zh-CN" altLang="en-US"/>
           </a:p>
         </p:txBody>
       </p:sp>
@@ -593,6 +987,7 @@
               <a:rPr lang="zh-CN" altLang="en-US"/>
               <a:t>单击此处编辑母版文本样式</a:t>
             </a:r>
+            <a:endParaRPr lang="zh-CN" altLang="en-US"/>
           </a:p>
           <a:p>
             <a:pPr lvl="1"/>
@@ -600,6 +995,7 @@
               <a:rPr lang="zh-CN" altLang="en-US"/>
               <a:t>第二级</a:t>
             </a:r>
+            <a:endParaRPr lang="zh-CN" altLang="en-US"/>
           </a:p>
           <a:p>
             <a:pPr lvl="2"/>
@@ -607,6 +1003,7 @@
               <a:rPr lang="zh-CN" altLang="en-US"/>
               <a:t>第三级</a:t>
             </a:r>
+            <a:endParaRPr lang="zh-CN" altLang="en-US"/>
           </a:p>
           <a:p>
             <a:pPr lvl="3"/>
@@ -614,6 +1011,7 @@
               <a:rPr lang="zh-CN" altLang="en-US"/>
               <a:t>第四级</a:t>
             </a:r>
+            <a:endParaRPr lang="zh-CN" altLang="en-US"/>
           </a:p>
           <a:p>
             <a:pPr lvl="4"/>
@@ -621,6 +1019,7 @@
               <a:rPr lang="zh-CN" altLang="en-US"/>
               <a:t>第五级</a:t>
             </a:r>
+            <a:endParaRPr lang="zh-CN" altLang="en-US"/>
           </a:p>
         </p:txBody>
       </p:sp>
@@ -641,7 +1040,6 @@
           <a:p>
             <a:fld id="{530820CF-B880-4189-942D-D702A7CBA730}" type="datetimeFigureOut">
               <a:rPr lang="zh-CN" altLang="en-US" smtClean="0"/>
-              <a:t>17/10/19</a:t>
             </a:fld>
             <a:endParaRPr lang="zh-CN" altLang="en-US"/>
           </a:p>
@@ -683,7 +1081,6 @@
           <a:p>
             <a:fld id="{0C913308-F349-4B6D-A68A-DD1791B4A57B}" type="slidenum">
               <a:rPr lang="zh-CN" altLang="en-US" smtClean="0"/>
-              <a:t>‹#›</a:t>
             </a:fld>
             <a:endParaRPr lang="zh-CN" altLang="en-US"/>
           </a:p>
@@ -733,6 +1130,7 @@
               <a:rPr lang="zh-CN" altLang="en-US"/>
               <a:t>单击此处编辑母版标题样式</a:t>
             </a:r>
+            <a:endParaRPr lang="zh-CN" altLang="en-US"/>
           </a:p>
         </p:txBody>
       </p:sp>
@@ -756,6 +1154,7 @@
               <a:rPr lang="zh-CN" altLang="en-US"/>
               <a:t>单击此处编辑母版文本样式</a:t>
             </a:r>
+            <a:endParaRPr lang="zh-CN" altLang="en-US"/>
           </a:p>
           <a:p>
             <a:pPr lvl="1"/>
@@ -763,6 +1162,7 @@
               <a:rPr lang="zh-CN" altLang="en-US"/>
               <a:t>第二级</a:t>
             </a:r>
+            <a:endParaRPr lang="zh-CN" altLang="en-US"/>
           </a:p>
           <a:p>
             <a:pPr lvl="2"/>
@@ -770,6 +1170,7 @@
               <a:rPr lang="zh-CN" altLang="en-US"/>
               <a:t>第三级</a:t>
             </a:r>
+            <a:endParaRPr lang="zh-CN" altLang="en-US"/>
           </a:p>
           <a:p>
             <a:pPr lvl="3"/>
@@ -777,6 +1178,7 @@
               <a:rPr lang="zh-CN" altLang="en-US"/>
               <a:t>第四级</a:t>
             </a:r>
+            <a:endParaRPr lang="zh-CN" altLang="en-US"/>
           </a:p>
           <a:p>
             <a:pPr lvl="4"/>
@@ -784,6 +1186,7 @@
               <a:rPr lang="zh-CN" altLang="en-US"/>
               <a:t>第五级</a:t>
             </a:r>
+            <a:endParaRPr lang="zh-CN" altLang="en-US"/>
           </a:p>
         </p:txBody>
       </p:sp>
@@ -804,7 +1207,6 @@
           <a:p>
             <a:fld id="{530820CF-B880-4189-942D-D702A7CBA730}" type="datetimeFigureOut">
               <a:rPr lang="zh-CN" altLang="en-US" smtClean="0"/>
-              <a:t>17/10/19</a:t>
             </a:fld>
             <a:endParaRPr lang="zh-CN" altLang="en-US"/>
           </a:p>
@@ -846,7 +1248,6 @@
           <a:p>
             <a:fld id="{0C913308-F349-4B6D-A68A-DD1791B4A57B}" type="slidenum">
               <a:rPr lang="zh-CN" altLang="en-US" smtClean="0"/>
-              <a:t>‹#›</a:t>
             </a:fld>
             <a:endParaRPr lang="zh-CN" altLang="en-US"/>
           </a:p>
@@ -905,6 +1306,7 @@
               <a:rPr lang="zh-CN" altLang="en-US"/>
               <a:t>单击此处编辑母版标题样式</a:t>
             </a:r>
+            <a:endParaRPr lang="zh-CN" altLang="en-US"/>
           </a:p>
         </p:txBody>
       </p:sp>
@@ -1024,6 +1426,7 @@
               <a:rPr lang="zh-CN" altLang="en-US"/>
               <a:t>单击此处编辑母版文本样式</a:t>
             </a:r>
+            <a:endParaRPr lang="zh-CN" altLang="en-US"/>
           </a:p>
         </p:txBody>
       </p:sp>
@@ -1044,7 +1447,6 @@
           <a:p>
             <a:fld id="{530820CF-B880-4189-942D-D702A7CBA730}" type="datetimeFigureOut">
               <a:rPr lang="zh-CN" altLang="en-US" smtClean="0"/>
-              <a:t>17/10/19</a:t>
             </a:fld>
             <a:endParaRPr lang="zh-CN" altLang="en-US"/>
           </a:p>
@@ -1086,7 +1488,6 @@
           <a:p>
             <a:fld id="{0C913308-F349-4B6D-A68A-DD1791B4A57B}" type="slidenum">
               <a:rPr lang="zh-CN" altLang="en-US" smtClean="0"/>
-              <a:t>‹#›</a:t>
             </a:fld>
             <a:endParaRPr lang="zh-CN" altLang="en-US"/>
           </a:p>
@@ -1136,6 +1537,7 @@
               <a:rPr lang="zh-CN" altLang="en-US"/>
               <a:t>单击此处编辑母版标题样式</a:t>
             </a:r>
+            <a:endParaRPr lang="zh-CN" altLang="en-US"/>
           </a:p>
         </p:txBody>
       </p:sp>
@@ -1192,6 +1594,7 @@
               <a:rPr lang="zh-CN" altLang="en-US"/>
               <a:t>单击此处编辑母版文本样式</a:t>
             </a:r>
+            <a:endParaRPr lang="zh-CN" altLang="en-US"/>
           </a:p>
           <a:p>
             <a:pPr lvl="1"/>
@@ -1199,6 +1602,7 @@
               <a:rPr lang="zh-CN" altLang="en-US"/>
               <a:t>第二级</a:t>
             </a:r>
+            <a:endParaRPr lang="zh-CN" altLang="en-US"/>
           </a:p>
           <a:p>
             <a:pPr lvl="2"/>
@@ -1206,6 +1610,7 @@
               <a:rPr lang="zh-CN" altLang="en-US"/>
               <a:t>第三级</a:t>
             </a:r>
+            <a:endParaRPr lang="zh-CN" altLang="en-US"/>
           </a:p>
           <a:p>
             <a:pPr lvl="3"/>
@@ -1213,6 +1618,7 @@
               <a:rPr lang="zh-CN" altLang="en-US"/>
               <a:t>第四级</a:t>
             </a:r>
+            <a:endParaRPr lang="zh-CN" altLang="en-US"/>
           </a:p>
           <a:p>
             <a:pPr lvl="4"/>
@@ -1220,6 +1626,7 @@
               <a:rPr lang="zh-CN" altLang="en-US"/>
               <a:t>第五级</a:t>
             </a:r>
+            <a:endParaRPr lang="zh-CN" altLang="en-US"/>
           </a:p>
         </p:txBody>
       </p:sp>
@@ -1276,6 +1683,7 @@
               <a:rPr lang="zh-CN" altLang="en-US"/>
               <a:t>单击此处编辑母版文本样式</a:t>
             </a:r>
+            <a:endParaRPr lang="zh-CN" altLang="en-US"/>
           </a:p>
           <a:p>
             <a:pPr lvl="1"/>
@@ -1283,6 +1691,7 @@
               <a:rPr lang="zh-CN" altLang="en-US"/>
               <a:t>第二级</a:t>
             </a:r>
+            <a:endParaRPr lang="zh-CN" altLang="en-US"/>
           </a:p>
           <a:p>
             <a:pPr lvl="2"/>
@@ -1290,6 +1699,7 @@
               <a:rPr lang="zh-CN" altLang="en-US"/>
               <a:t>第三级</a:t>
             </a:r>
+            <a:endParaRPr lang="zh-CN" altLang="en-US"/>
           </a:p>
           <a:p>
             <a:pPr lvl="3"/>
@@ -1297,6 +1707,7 @@
               <a:rPr lang="zh-CN" altLang="en-US"/>
               <a:t>第四级</a:t>
             </a:r>
+            <a:endParaRPr lang="zh-CN" altLang="en-US"/>
           </a:p>
           <a:p>
             <a:pPr lvl="4"/>
@@ -1304,6 +1715,7 @@
               <a:rPr lang="zh-CN" altLang="en-US"/>
               <a:t>第五级</a:t>
             </a:r>
+            <a:endParaRPr lang="zh-CN" altLang="en-US"/>
           </a:p>
         </p:txBody>
       </p:sp>
@@ -1324,7 +1736,6 @@
           <a:p>
             <a:fld id="{530820CF-B880-4189-942D-D702A7CBA730}" type="datetimeFigureOut">
               <a:rPr lang="zh-CN" altLang="en-US" smtClean="0"/>
-              <a:t>17/10/19</a:t>
             </a:fld>
             <a:endParaRPr lang="zh-CN" altLang="en-US"/>
           </a:p>
@@ -1366,7 +1777,6 @@
           <a:p>
             <a:fld id="{0C913308-F349-4B6D-A68A-DD1791B4A57B}" type="slidenum">
               <a:rPr lang="zh-CN" altLang="en-US" smtClean="0"/>
-              <a:t>‹#›</a:t>
             </a:fld>
             <a:endParaRPr lang="zh-CN" altLang="en-US"/>
           </a:p>
@@ -1420,6 +1830,7 @@
               <a:rPr lang="zh-CN" altLang="en-US"/>
               <a:t>单击此处编辑母版标题样式</a:t>
             </a:r>
+            <a:endParaRPr lang="zh-CN" altLang="en-US"/>
           </a:p>
         </p:txBody>
       </p:sp>
@@ -1485,6 +1896,7 @@
               <a:rPr lang="zh-CN" altLang="en-US"/>
               <a:t>单击此处编辑母版文本样式</a:t>
             </a:r>
+            <a:endParaRPr lang="zh-CN" altLang="en-US"/>
           </a:p>
         </p:txBody>
       </p:sp>
@@ -1541,6 +1953,7 @@
               <a:rPr lang="zh-CN" altLang="en-US"/>
               <a:t>单击此处编辑母版文本样式</a:t>
             </a:r>
+            <a:endParaRPr lang="zh-CN" altLang="en-US"/>
           </a:p>
           <a:p>
             <a:pPr lvl="1"/>
@@ -1548,6 +1961,7 @@
               <a:rPr lang="zh-CN" altLang="en-US"/>
               <a:t>第二级</a:t>
             </a:r>
+            <a:endParaRPr lang="zh-CN" altLang="en-US"/>
           </a:p>
           <a:p>
             <a:pPr lvl="2"/>
@@ -1555,6 +1969,7 @@
               <a:rPr lang="zh-CN" altLang="en-US"/>
               <a:t>第三级</a:t>
             </a:r>
+            <a:endParaRPr lang="zh-CN" altLang="en-US"/>
           </a:p>
           <a:p>
             <a:pPr lvl="3"/>
@@ -1562,6 +1977,7 @@
               <a:rPr lang="zh-CN" altLang="en-US"/>
               <a:t>第四级</a:t>
             </a:r>
+            <a:endParaRPr lang="zh-CN" altLang="en-US"/>
           </a:p>
           <a:p>
             <a:pPr lvl="4"/>
@@ -1569,6 +1985,7 @@
               <a:rPr lang="zh-CN" altLang="en-US"/>
               <a:t>第五级</a:t>
             </a:r>
+            <a:endParaRPr lang="zh-CN" altLang="en-US"/>
           </a:p>
         </p:txBody>
       </p:sp>
@@ -1634,6 +2051,7 @@
               <a:rPr lang="zh-CN" altLang="en-US"/>
               <a:t>单击此处编辑母版文本样式</a:t>
             </a:r>
+            <a:endParaRPr lang="zh-CN" altLang="en-US"/>
           </a:p>
         </p:txBody>
       </p:sp>
@@ -1690,6 +2108,7 @@
               <a:rPr lang="zh-CN" altLang="en-US"/>
               <a:t>单击此处编辑母版文本样式</a:t>
             </a:r>
+            <a:endParaRPr lang="zh-CN" altLang="en-US"/>
           </a:p>
           <a:p>
             <a:pPr lvl="1"/>
@@ -1697,6 +2116,7 @@
               <a:rPr lang="zh-CN" altLang="en-US"/>
               <a:t>第二级</a:t>
             </a:r>
+            <a:endParaRPr lang="zh-CN" altLang="en-US"/>
           </a:p>
           <a:p>
             <a:pPr lvl="2"/>
@@ -1704,6 +2124,7 @@
               <a:rPr lang="zh-CN" altLang="en-US"/>
               <a:t>第三级</a:t>
             </a:r>
+            <a:endParaRPr lang="zh-CN" altLang="en-US"/>
           </a:p>
           <a:p>
             <a:pPr lvl="3"/>
@@ -1711,6 +2132,7 @@
               <a:rPr lang="zh-CN" altLang="en-US"/>
               <a:t>第四级</a:t>
             </a:r>
+            <a:endParaRPr lang="zh-CN" altLang="en-US"/>
           </a:p>
           <a:p>
             <a:pPr lvl="4"/>
@@ -1718,6 +2140,7 @@
               <a:rPr lang="zh-CN" altLang="en-US"/>
               <a:t>第五级</a:t>
             </a:r>
+            <a:endParaRPr lang="zh-CN" altLang="en-US"/>
           </a:p>
         </p:txBody>
       </p:sp>
@@ -1738,7 +2161,6 @@
           <a:p>
             <a:fld id="{530820CF-B880-4189-942D-D702A7CBA730}" type="datetimeFigureOut">
               <a:rPr lang="zh-CN" altLang="en-US" smtClean="0"/>
-              <a:t>17/10/19</a:t>
             </a:fld>
             <a:endParaRPr lang="zh-CN" altLang="en-US"/>
           </a:p>
@@ -1780,7 +2202,6 @@
           <a:p>
             <a:fld id="{0C913308-F349-4B6D-A68A-DD1791B4A57B}" type="slidenum">
               <a:rPr lang="zh-CN" altLang="en-US" smtClean="0"/>
-              <a:t>‹#›</a:t>
             </a:fld>
             <a:endParaRPr lang="zh-CN" altLang="en-US"/>
           </a:p>
@@ -1830,6 +2251,7 @@
               <a:rPr lang="zh-CN" altLang="en-US"/>
               <a:t>单击此处编辑母版标题样式</a:t>
             </a:r>
+            <a:endParaRPr lang="zh-CN" altLang="en-US"/>
           </a:p>
         </p:txBody>
       </p:sp>
@@ -1850,7 +2272,6 @@
           <a:p>
             <a:fld id="{530820CF-B880-4189-942D-D702A7CBA730}" type="datetimeFigureOut">
               <a:rPr lang="zh-CN" altLang="en-US" smtClean="0"/>
-              <a:t>17/10/19</a:t>
             </a:fld>
             <a:endParaRPr lang="zh-CN" altLang="en-US"/>
           </a:p>
@@ -1892,7 +2313,6 @@
           <a:p>
             <a:fld id="{0C913308-F349-4B6D-A68A-DD1791B4A57B}" type="slidenum">
               <a:rPr lang="zh-CN" altLang="en-US" smtClean="0"/>
-              <a:t>‹#›</a:t>
             </a:fld>
             <a:endParaRPr lang="zh-CN" altLang="en-US"/>
           </a:p>
@@ -1940,7 +2360,6 @@
           <a:p>
             <a:fld id="{530820CF-B880-4189-942D-D702A7CBA730}" type="datetimeFigureOut">
               <a:rPr lang="zh-CN" altLang="en-US" smtClean="0"/>
-              <a:t>17/10/19</a:t>
             </a:fld>
             <a:endParaRPr lang="zh-CN" altLang="en-US"/>
           </a:p>
@@ -1982,7 +2401,6 @@
           <a:p>
             <a:fld id="{0C913308-F349-4B6D-A68A-DD1791B4A57B}" type="slidenum">
               <a:rPr lang="zh-CN" altLang="en-US" smtClean="0"/>
-              <a:t>‹#›</a:t>
             </a:fld>
             <a:endParaRPr lang="zh-CN" altLang="en-US"/>
           </a:p>
@@ -2041,6 +2459,7 @@
               <a:rPr lang="zh-CN" altLang="en-US"/>
               <a:t>单击此处编辑母版标题样式</a:t>
             </a:r>
+            <a:endParaRPr lang="zh-CN" altLang="en-US"/>
           </a:p>
         </p:txBody>
       </p:sp>
@@ -2097,6 +2516,7 @@
               <a:rPr lang="zh-CN" altLang="en-US"/>
               <a:t>单击此处编辑母版文本样式</a:t>
             </a:r>
+            <a:endParaRPr lang="zh-CN" altLang="en-US"/>
           </a:p>
           <a:p>
             <a:pPr lvl="1"/>
@@ -2104,6 +2524,7 @@
               <a:rPr lang="zh-CN" altLang="en-US"/>
               <a:t>第二级</a:t>
             </a:r>
+            <a:endParaRPr lang="zh-CN" altLang="en-US"/>
           </a:p>
           <a:p>
             <a:pPr lvl="2"/>
@@ -2111,6 +2532,7 @@
               <a:rPr lang="zh-CN" altLang="en-US"/>
               <a:t>第三级</a:t>
             </a:r>
+            <a:endParaRPr lang="zh-CN" altLang="en-US"/>
           </a:p>
           <a:p>
             <a:pPr lvl="3"/>
@@ -2118,6 +2540,7 @@
               <a:rPr lang="zh-CN" altLang="en-US"/>
               <a:t>第四级</a:t>
             </a:r>
+            <a:endParaRPr lang="zh-CN" altLang="en-US"/>
           </a:p>
           <a:p>
             <a:pPr lvl="4"/>
@@ -2125,6 +2548,7 @@
               <a:rPr lang="zh-CN" altLang="en-US"/>
               <a:t>第五级</a:t>
             </a:r>
+            <a:endParaRPr lang="zh-CN" altLang="en-US"/>
           </a:p>
         </p:txBody>
       </p:sp>
@@ -2190,6 +2614,7 @@
               <a:rPr lang="zh-CN" altLang="en-US"/>
               <a:t>单击此处编辑母版文本样式</a:t>
             </a:r>
+            <a:endParaRPr lang="zh-CN" altLang="en-US"/>
           </a:p>
         </p:txBody>
       </p:sp>
@@ -2210,7 +2635,6 @@
           <a:p>
             <a:fld id="{530820CF-B880-4189-942D-D702A7CBA730}" type="datetimeFigureOut">
               <a:rPr lang="zh-CN" altLang="en-US" smtClean="0"/>
-              <a:t>17/10/19</a:t>
             </a:fld>
             <a:endParaRPr lang="zh-CN" altLang="en-US"/>
           </a:p>
@@ -2252,7 +2676,6 @@
           <a:p>
             <a:fld id="{0C913308-F349-4B6D-A68A-DD1791B4A57B}" type="slidenum">
               <a:rPr lang="zh-CN" altLang="en-US" smtClean="0"/>
-              <a:t>‹#›</a:t>
             </a:fld>
             <a:endParaRPr lang="zh-CN" altLang="en-US"/>
           </a:p>
@@ -2311,6 +2734,7 @@
               <a:rPr lang="zh-CN" altLang="en-US"/>
               <a:t>单击此处编辑母版标题样式</a:t>
             </a:r>
+            <a:endParaRPr lang="zh-CN" altLang="en-US"/>
           </a:p>
         </p:txBody>
       </p:sp>
@@ -2437,6 +2861,7 @@
               <a:rPr lang="zh-CN" altLang="en-US"/>
               <a:t>单击此处编辑母版文本样式</a:t>
             </a:r>
+            <a:endParaRPr lang="zh-CN" altLang="en-US"/>
           </a:p>
         </p:txBody>
       </p:sp>
@@ -2457,7 +2882,6 @@
           <a:p>
             <a:fld id="{530820CF-B880-4189-942D-D702A7CBA730}" type="datetimeFigureOut">
               <a:rPr lang="zh-CN" altLang="en-US" smtClean="0"/>
-              <a:t>17/10/19</a:t>
             </a:fld>
             <a:endParaRPr lang="zh-CN" altLang="en-US"/>
           </a:p>
@@ -2499,7 +2923,6 @@
           <a:p>
             <a:fld id="{0C913308-F349-4B6D-A68A-DD1791B4A57B}" type="slidenum">
               <a:rPr lang="zh-CN" altLang="en-US" smtClean="0"/>
-              <a:t>‹#›</a:t>
             </a:fld>
             <a:endParaRPr lang="zh-CN" altLang="en-US"/>
           </a:p>
@@ -2519,7 +2942,7 @@
     <p:bg>
       <p:bgPr>
         <a:blipFill dpi="0" rotWithShape="1">
-          <a:blip r:embed="rId13">
+          <a:blip r:embed="rId12">
             <a:lum/>
           </a:blip>
           <a:srcRect/>
@@ -2573,6 +2996,7 @@
               <a:rPr lang="zh-CN" altLang="en-US"/>
               <a:t>单击此处编辑母版标题样式</a:t>
             </a:r>
+            <a:endParaRPr lang="zh-CN" altLang="en-US"/>
           </a:p>
         </p:txBody>
       </p:sp>
@@ -2606,6 +3030,7 @@
               <a:rPr lang="zh-CN" altLang="en-US"/>
               <a:t>单击此处编辑母版文本样式</a:t>
             </a:r>
+            <a:endParaRPr lang="zh-CN" altLang="en-US"/>
           </a:p>
           <a:p>
             <a:pPr lvl="1"/>
@@ -2613,6 +3038,7 @@
               <a:rPr lang="zh-CN" altLang="en-US"/>
               <a:t>第二级</a:t>
             </a:r>
+            <a:endParaRPr lang="zh-CN" altLang="en-US"/>
           </a:p>
           <a:p>
             <a:pPr lvl="2"/>
@@ -2620,6 +3046,7 @@
               <a:rPr lang="zh-CN" altLang="en-US"/>
               <a:t>第三级</a:t>
             </a:r>
+            <a:endParaRPr lang="zh-CN" altLang="en-US"/>
           </a:p>
           <a:p>
             <a:pPr lvl="3"/>
@@ -2627,6 +3054,7 @@
               <a:rPr lang="zh-CN" altLang="en-US"/>
               <a:t>第四级</a:t>
             </a:r>
+            <a:endParaRPr lang="zh-CN" altLang="en-US"/>
           </a:p>
           <a:p>
             <a:pPr lvl="4"/>
@@ -2634,6 +3062,7 @@
               <a:rPr lang="zh-CN" altLang="en-US"/>
               <a:t>第五级</a:t>
             </a:r>
+            <a:endParaRPr lang="zh-CN" altLang="en-US"/>
           </a:p>
         </p:txBody>
       </p:sp>
@@ -2672,7 +3101,6 @@
           <a:p>
             <a:fld id="{530820CF-B880-4189-942D-D702A7CBA730}" type="datetimeFigureOut">
               <a:rPr lang="zh-CN" altLang="en-US" smtClean="0"/>
-              <a:t>17/10/19</a:t>
             </a:fld>
             <a:endParaRPr lang="zh-CN" altLang="en-US"/>
           </a:p>
@@ -2750,7 +3178,6 @@
           <a:p>
             <a:fld id="{0C913308-F349-4B6D-A68A-DD1791B4A57B}" type="slidenum">
               <a:rPr lang="zh-CN" altLang="en-US" smtClean="0"/>
-              <a:t>‹#›</a:t>
             </a:fld>
             <a:endParaRPr lang="zh-CN" altLang="en-US"/>
           </a:p>
@@ -3073,6 +3500,11 @@
               </a:rPr>
               <a:t>体验课</a:t>
             </a:r>
+            <a:endParaRPr lang="zh-CN" altLang="en-US" dirty="0">
+              <a:solidFill>
+                <a:schemeClr val="bg1"/>
+              </a:solidFill>
+            </a:endParaRPr>
           </a:p>
         </p:txBody>
       </p:sp>
@@ -3101,6 +3533,13 @@
               </a:rPr>
               <a:t>vipjr</a:t>
             </a:r>
+            <a:endParaRPr lang="en-US" altLang="zh-CN" dirty="0">
+              <a:solidFill>
+                <a:schemeClr val="bg1">
+                  <a:lumMod val="95000"/>
+                </a:schemeClr>
+              </a:solidFill>
+            </a:endParaRPr>
           </a:p>
         </p:txBody>
       </p:sp>
@@ -3162,6 +3601,13 @@
               </a:rPr>
               <a:t>改变角度循环</a:t>
             </a:r>
+            <a:endParaRPr lang="zh-CN" altLang="en-US" sz="2400" dirty="0">
+              <a:solidFill>
+                <a:schemeClr val="bg1"/>
+              </a:solidFill>
+              <a:latin typeface="微软雅黑" panose="020B0503020204020204" charset="-122"/>
+              <a:ea typeface="微软雅黑" panose="020B0503020204020204" charset="-122"/>
+            </a:endParaRPr>
           </a:p>
         </p:txBody>
       </p:sp>
@@ -3195,6 +3641,11 @@
               </a:rPr>
               <a:t>import turtle</a:t>
             </a:r>
+            <a:endParaRPr lang="en-US" altLang="zh-CN" sz="2400" dirty="0">
+              <a:solidFill>
+                <a:schemeClr val="bg1"/>
+              </a:solidFill>
+            </a:endParaRPr>
           </a:p>
           <a:p>
             <a:r>
@@ -3229,6 +3680,11 @@
               </a:rPr>
               <a:t>()</a:t>
             </a:r>
+            <a:endParaRPr lang="en-US" altLang="zh-CN" sz="2400" dirty="0">
+              <a:solidFill>
+                <a:schemeClr val="bg1"/>
+              </a:solidFill>
+            </a:endParaRPr>
           </a:p>
           <a:p>
             <a:r>
@@ -3247,6 +3703,11 @@
               </a:rPr>
               <a:t>对于相同的步骤可以使用循环操作</a:t>
             </a:r>
+            <a:endParaRPr lang="zh-CN" altLang="en-US" sz="2400" dirty="0">
+              <a:solidFill>
+                <a:schemeClr val="bg1"/>
+              </a:solidFill>
+            </a:endParaRPr>
           </a:p>
           <a:p>
             <a:r>
@@ -3265,6 +3726,11 @@
               </a:rPr>
               <a:t> x in range(1,100):</a:t>
             </a:r>
+            <a:endParaRPr lang="en-US" altLang="zh-CN" sz="2400" dirty="0">
+              <a:solidFill>
+                <a:schemeClr val="bg1"/>
+              </a:solidFill>
+            </a:endParaRPr>
           </a:p>
           <a:p>
             <a:r>
@@ -3291,6 +3757,11 @@
               </a:rPr>
               <a:t>(x)</a:t>
             </a:r>
+            <a:endParaRPr lang="en-US" altLang="zh-CN" sz="2400" dirty="0">
+              <a:solidFill>
+                <a:schemeClr val="bg1"/>
+              </a:solidFill>
+            </a:endParaRPr>
           </a:p>
           <a:p>
             <a:r>
@@ -3317,6 +3788,11 @@
               </a:rPr>
               <a:t>(91)</a:t>
             </a:r>
+            <a:endParaRPr lang="en-US" altLang="zh-CN" sz="2400" dirty="0">
+              <a:solidFill>
+                <a:schemeClr val="bg1"/>
+              </a:solidFill>
+            </a:endParaRPr>
           </a:p>
           <a:p>
             <a:r>
@@ -3335,6 +3811,11 @@
               </a:rPr>
               <a:t>()</a:t>
             </a:r>
+            <a:endParaRPr lang="en-US" altLang="zh-CN" sz="2400" dirty="0">
+              <a:solidFill>
+                <a:schemeClr val="bg1"/>
+              </a:solidFill>
+            </a:endParaRPr>
           </a:p>
           <a:p>
             <a:r>
@@ -3366,7 +3847,7 @@
           <p:nvPr/>
         </p:nvPicPr>
         <p:blipFill>
-          <a:blip r:embed="rId2">
+          <a:blip r:embed="rId1">
             <a:extLst>
               <a:ext uri="{28A0092B-C50C-407E-A947-70E740481C1C}">
                 <a14:useLocalDpi xmlns:a14="http://schemas.microsoft.com/office/drawing/2010/main" val="0"/>
@@ -3488,6 +3969,13 @@
               </a:rPr>
               <a:t>需要酷一些</a:t>
             </a:r>
+            <a:endParaRPr lang="zh-CN" altLang="en-US" sz="2000" dirty="0">
+              <a:solidFill>
+                <a:schemeClr val="bg1"/>
+              </a:solidFill>
+              <a:latin typeface="微软雅黑" panose="020B0503020204020204" charset="-122"/>
+              <a:ea typeface="微软雅黑" panose="020B0503020204020204" charset="-122"/>
+            </a:endParaRPr>
           </a:p>
           <a:p>
             <a:r>
@@ -3500,6 +3988,13 @@
               </a:rPr>
               <a:t>import turtle</a:t>
             </a:r>
+            <a:endParaRPr lang="en-US" altLang="zh-CN" sz="2000" dirty="0">
+              <a:solidFill>
+                <a:schemeClr val="bg1"/>
+              </a:solidFill>
+              <a:latin typeface="微软雅黑" panose="020B0503020204020204" charset="-122"/>
+              <a:ea typeface="微软雅黑" panose="020B0503020204020204" charset="-122"/>
+            </a:endParaRPr>
           </a:p>
           <a:p>
             <a:r>
@@ -3542,8 +4037,6 @@
               </a:rPr>
               <a:t>()</a:t>
             </a:r>
-          </a:p>
-          <a:p>
             <a:endParaRPr lang="en-US" altLang="zh-CN" sz="2000" dirty="0">
               <a:solidFill>
                 <a:schemeClr val="bg1"/>
@@ -3553,6 +4046,15 @@
             </a:endParaRPr>
           </a:p>
           <a:p>
+            <a:endParaRPr lang="en-US" altLang="zh-CN" sz="2000" dirty="0">
+              <a:solidFill>
+                <a:schemeClr val="bg1"/>
+              </a:solidFill>
+              <a:latin typeface="微软雅黑" panose="020B0503020204020204" charset="-122"/>
+              <a:ea typeface="微软雅黑" panose="020B0503020204020204" charset="-122"/>
+            </a:endParaRPr>
+          </a:p>
+          <a:p>
             <a:r>
               <a:rPr lang="en-US" altLang="zh-CN" sz="2000" dirty="0">
                 <a:solidFill>
@@ -3573,6 +4075,13 @@
               </a:rPr>
               <a:t>改下背景色成黑色</a:t>
             </a:r>
+            <a:endParaRPr lang="zh-CN" altLang="en-US" sz="2000" dirty="0">
+              <a:solidFill>
+                <a:schemeClr val="bg1"/>
+              </a:solidFill>
+              <a:latin typeface="微软雅黑" panose="020B0503020204020204" charset="-122"/>
+              <a:ea typeface="微软雅黑" panose="020B0503020204020204" charset="-122"/>
+            </a:endParaRPr>
           </a:p>
           <a:p>
             <a:r>
@@ -3595,8 +4104,6 @@
               </a:rPr>
               <a:t>('black')</a:t>
             </a:r>
-          </a:p>
-          <a:p>
             <a:endParaRPr lang="en-US" altLang="zh-CN" sz="2000" dirty="0">
               <a:solidFill>
                 <a:schemeClr val="bg1"/>
@@ -3606,6 +4113,15 @@
             </a:endParaRPr>
           </a:p>
           <a:p>
+            <a:endParaRPr lang="en-US" altLang="zh-CN" sz="2000" dirty="0">
+              <a:solidFill>
+                <a:schemeClr val="bg1"/>
+              </a:solidFill>
+              <a:latin typeface="微软雅黑" panose="020B0503020204020204" charset="-122"/>
+              <a:ea typeface="微软雅黑" panose="020B0503020204020204" charset="-122"/>
+            </a:endParaRPr>
+          </a:p>
+          <a:p>
             <a:r>
               <a:rPr lang="en-US" altLang="zh-CN" sz="2000" dirty="0">
                 <a:solidFill>
@@ -3626,6 +4142,13 @@
               </a:rPr>
               <a:t>改用红色的画笔</a:t>
             </a:r>
+            <a:endParaRPr lang="zh-CN" altLang="en-US" sz="2000" dirty="0">
+              <a:solidFill>
+                <a:schemeClr val="bg1"/>
+              </a:solidFill>
+              <a:latin typeface="微软雅黑" panose="020B0503020204020204" charset="-122"/>
+              <a:ea typeface="微软雅黑" panose="020B0503020204020204" charset="-122"/>
+            </a:endParaRPr>
           </a:p>
           <a:p>
             <a:r>
@@ -3648,8 +4171,6 @@
               </a:rPr>
               <a:t>("red")</a:t>
             </a:r>
-          </a:p>
-          <a:p>
             <a:endParaRPr lang="en-US" altLang="zh-CN" sz="2000" dirty="0">
               <a:solidFill>
                 <a:schemeClr val="bg1"/>
@@ -3659,6 +4180,15 @@
             </a:endParaRPr>
           </a:p>
           <a:p>
+            <a:endParaRPr lang="en-US" altLang="zh-CN" sz="2000" dirty="0">
+              <a:solidFill>
+                <a:schemeClr val="bg1"/>
+              </a:solidFill>
+              <a:latin typeface="微软雅黑" panose="020B0503020204020204" charset="-122"/>
+              <a:ea typeface="微软雅黑" panose="020B0503020204020204" charset="-122"/>
+            </a:endParaRPr>
+          </a:p>
+          <a:p>
             <a:r>
               <a:rPr lang="en-US" altLang="zh-CN" sz="2000" dirty="0">
                 <a:solidFill>
@@ -3669,6 +4199,13 @@
               </a:rPr>
               <a:t>for x in range(100):</a:t>
             </a:r>
+            <a:endParaRPr lang="en-US" altLang="zh-CN" sz="2000" dirty="0">
+              <a:solidFill>
+                <a:schemeClr val="bg1"/>
+              </a:solidFill>
+              <a:latin typeface="微软雅黑" panose="020B0503020204020204" charset="-122"/>
+              <a:ea typeface="微软雅黑" panose="020B0503020204020204" charset="-122"/>
+            </a:endParaRPr>
           </a:p>
           <a:p>
             <a:r>
@@ -3701,6 +4238,13 @@
               </a:rPr>
               <a:t>(x)</a:t>
             </a:r>
+            <a:endParaRPr lang="en-US" altLang="zh-CN" sz="2000" dirty="0">
+              <a:solidFill>
+                <a:schemeClr val="bg1"/>
+              </a:solidFill>
+              <a:latin typeface="微软雅黑" panose="020B0503020204020204" charset="-122"/>
+              <a:ea typeface="微软雅黑" panose="020B0503020204020204" charset="-122"/>
+            </a:endParaRPr>
           </a:p>
           <a:p>
             <a:r>
@@ -3733,6 +4277,13 @@
               </a:rPr>
               <a:t>(91)</a:t>
             </a:r>
+            <a:endParaRPr lang="en-US" altLang="zh-CN" sz="2000" dirty="0">
+              <a:solidFill>
+                <a:schemeClr val="bg1"/>
+              </a:solidFill>
+              <a:latin typeface="微软雅黑" panose="020B0503020204020204" charset="-122"/>
+              <a:ea typeface="微软雅黑" panose="020B0503020204020204" charset="-122"/>
+            </a:endParaRPr>
           </a:p>
           <a:p>
             <a:r>
@@ -3755,6 +4306,13 @@
               </a:rPr>
               <a:t>()</a:t>
             </a:r>
+            <a:endParaRPr lang="en-US" altLang="zh-CN" sz="2000" dirty="0">
+              <a:solidFill>
+                <a:schemeClr val="bg1"/>
+              </a:solidFill>
+              <a:latin typeface="微软雅黑" panose="020B0503020204020204" charset="-122"/>
+              <a:ea typeface="微软雅黑" panose="020B0503020204020204" charset="-122"/>
+            </a:endParaRPr>
           </a:p>
           <a:p>
             <a:r>
@@ -3793,7 +4351,7 @@
           <p:nvPr/>
         </p:nvPicPr>
         <p:blipFill>
-          <a:blip r:embed="rId2">
+          <a:blip r:embed="rId1">
             <a:extLst>
               <a:ext uri="{28A0092B-C50C-407E-A947-70E740481C1C}">
                 <a14:useLocalDpi xmlns:a14="http://schemas.microsoft.com/office/drawing/2010/main" val="0"/>
@@ -3895,6 +4453,13 @@
               </a:rPr>
               <a:t>改变颜色</a:t>
             </a:r>
+            <a:endParaRPr lang="zh-CN" altLang="en-US" sz="2400" dirty="0">
+              <a:solidFill>
+                <a:schemeClr val="bg1"/>
+              </a:solidFill>
+              <a:latin typeface="微软雅黑" panose="020B0503020204020204" charset="-122"/>
+              <a:ea typeface="微软雅黑" panose="020B0503020204020204" charset="-122"/>
+            </a:endParaRPr>
           </a:p>
         </p:txBody>
       </p:sp>
@@ -3953,6 +4518,11 @@
               </a:rPr>
               <a:t>import turtle</a:t>
             </a:r>
+            <a:endParaRPr lang="en-US" altLang="zh-CN" sz="2400" dirty="0">
+              <a:solidFill>
+                <a:schemeClr val="bg1"/>
+              </a:solidFill>
+            </a:endParaRPr>
           </a:p>
           <a:p>
             <a:r>
@@ -3987,8 +4557,6 @@
               </a:rPr>
               <a:t>()</a:t>
             </a:r>
-          </a:p>
-          <a:p>
             <a:endParaRPr lang="en-US" altLang="zh-CN" sz="2400" dirty="0">
               <a:solidFill>
                 <a:schemeClr val="bg1"/>
@@ -3996,6 +4564,13 @@
             </a:endParaRPr>
           </a:p>
           <a:p>
+            <a:endParaRPr lang="en-US" altLang="zh-CN" sz="2400" dirty="0">
+              <a:solidFill>
+                <a:schemeClr val="bg1"/>
+              </a:solidFill>
+            </a:endParaRPr>
+          </a:p>
+          <a:p>
             <a:r>
               <a:rPr lang="en-US" altLang="zh-CN" sz="2400" dirty="0">
                 <a:solidFill>
@@ -4012,6 +4587,11 @@
               </a:rPr>
               <a:t>我们先准备好四种颜色的画笔</a:t>
             </a:r>
+            <a:endParaRPr lang="zh-CN" altLang="en-US" sz="2400" dirty="0">
+              <a:solidFill>
+                <a:schemeClr val="bg1"/>
+              </a:solidFill>
+            </a:endParaRPr>
           </a:p>
           <a:p>
             <a:r>
@@ -4022,6 +4602,11 @@
               </a:rPr>
               <a:t>colors = ["red", "yellow", "blue", "green"]</a:t>
             </a:r>
+            <a:endParaRPr lang="en-US" altLang="zh-CN" sz="2400" dirty="0">
+              <a:solidFill>
+                <a:schemeClr val="bg1"/>
+              </a:solidFill>
+            </a:endParaRPr>
           </a:p>
           <a:p>
             <a:r>
@@ -4032,6 +4617,11 @@
               </a:rPr>
               <a:t>for x in range(100):</a:t>
             </a:r>
+            <a:endParaRPr lang="en-US" altLang="zh-CN" sz="2400" dirty="0">
+              <a:solidFill>
+                <a:schemeClr val="bg1"/>
+              </a:solidFill>
+            </a:endParaRPr>
           </a:p>
           <a:p>
             <a:r>
@@ -4050,6 +4640,11 @@
               </a:rPr>
               <a:t>每次都换种颜色用</a:t>
             </a:r>
+            <a:endParaRPr lang="zh-CN" altLang="en-US" sz="2400" dirty="0">
+              <a:solidFill>
+                <a:schemeClr val="bg1"/>
+              </a:solidFill>
+            </a:endParaRPr>
           </a:p>
           <a:p>
             <a:r>
@@ -4076,6 +4671,11 @@
               </a:rPr>
               <a:t>(colors[x%4])</a:t>
             </a:r>
+            <a:endParaRPr lang="en-US" altLang="zh-CN" sz="2400" dirty="0">
+              <a:solidFill>
+                <a:schemeClr val="bg1"/>
+              </a:solidFill>
+            </a:endParaRPr>
           </a:p>
           <a:p>
             <a:r>
@@ -4102,6 +4702,11 @@
               </a:rPr>
               <a:t>(x)</a:t>
             </a:r>
+            <a:endParaRPr lang="en-US" altLang="zh-CN" sz="2400" dirty="0">
+              <a:solidFill>
+                <a:schemeClr val="bg1"/>
+              </a:solidFill>
+            </a:endParaRPr>
           </a:p>
           <a:p>
             <a:r>
@@ -4128,6 +4733,11 @@
               </a:rPr>
               <a:t>(91)</a:t>
             </a:r>
+            <a:endParaRPr lang="en-US" altLang="zh-CN" sz="2400" dirty="0">
+              <a:solidFill>
+                <a:schemeClr val="bg1"/>
+              </a:solidFill>
+            </a:endParaRPr>
           </a:p>
           <a:p>
             <a:r>
@@ -4146,6 +4756,11 @@
               </a:rPr>
               <a:t>()</a:t>
             </a:r>
+            <a:endParaRPr lang="en-US" altLang="zh-CN" sz="2400" dirty="0">
+              <a:solidFill>
+                <a:schemeClr val="bg1"/>
+              </a:solidFill>
+            </a:endParaRPr>
           </a:p>
           <a:p>
             <a:r>
@@ -4177,7 +4792,7 @@
           <p:nvPr/>
         </p:nvPicPr>
         <p:blipFill>
-          <a:blip r:embed="rId2"/>
+          <a:blip r:embed="rId1"/>
           <a:srcRect l="16773" t="5882" r="11341" b="8823"/>
           <a:stretch>
             <a:fillRect/>
@@ -4248,6 +4863,13 @@
               </a:rPr>
               <a:t>循环颜色</a:t>
             </a:r>
+            <a:endParaRPr lang="zh-CN" altLang="en-US" sz="2400" dirty="0">
+              <a:solidFill>
+                <a:schemeClr val="bg1"/>
+              </a:solidFill>
+              <a:latin typeface="微软雅黑" panose="020B0503020204020204" charset="-122"/>
+              <a:ea typeface="微软雅黑" panose="020B0503020204020204" charset="-122"/>
+            </a:endParaRPr>
           </a:p>
         </p:txBody>
       </p:sp>
@@ -4344,6 +4966,13 @@
               </a:rPr>
               <a:t>正方形太土了，我们画点更酷炫的</a:t>
             </a:r>
+            <a:endParaRPr lang="zh-CN" altLang="en-US" sz="2000" dirty="0">
+              <a:solidFill>
+                <a:schemeClr val="bg1"/>
+              </a:solidFill>
+              <a:latin typeface="微软雅黑" panose="020B0503020204020204" charset="-122"/>
+              <a:ea typeface="微软雅黑" panose="020B0503020204020204" charset="-122"/>
+            </a:endParaRPr>
           </a:p>
           <a:p>
             <a:r>
@@ -4356,6 +4985,13 @@
               </a:rPr>
               <a:t>import turtle</a:t>
             </a:r>
+            <a:endParaRPr lang="en-US" altLang="zh-CN" sz="2000" dirty="0">
+              <a:solidFill>
+                <a:schemeClr val="bg1"/>
+              </a:solidFill>
+              <a:latin typeface="微软雅黑" panose="020B0503020204020204" charset="-122"/>
+              <a:ea typeface="微软雅黑" panose="020B0503020204020204" charset="-122"/>
+            </a:endParaRPr>
           </a:p>
           <a:p>
             <a:r>
@@ -4398,6 +5034,13 @@
               </a:rPr>
               <a:t>()</a:t>
             </a:r>
+            <a:endParaRPr lang="en-US" altLang="zh-CN" sz="2000" dirty="0">
+              <a:solidFill>
+                <a:schemeClr val="bg1"/>
+              </a:solidFill>
+              <a:latin typeface="微软雅黑" panose="020B0503020204020204" charset="-122"/>
+              <a:ea typeface="微软雅黑" panose="020B0503020204020204" charset="-122"/>
+            </a:endParaRPr>
           </a:p>
           <a:p>
             <a:r>
@@ -4420,6 +5063,13 @@
               </a:rPr>
               <a:t>("black")</a:t>
             </a:r>
+            <a:endParaRPr lang="en-US" altLang="zh-CN" sz="2000" dirty="0">
+              <a:solidFill>
+                <a:schemeClr val="bg1"/>
+              </a:solidFill>
+              <a:latin typeface="微软雅黑" panose="020B0503020204020204" charset="-122"/>
+              <a:ea typeface="微软雅黑" panose="020B0503020204020204" charset="-122"/>
+            </a:endParaRPr>
           </a:p>
           <a:p>
             <a:r>
@@ -4462,6 +5112,13 @@
               </a:rPr>
               <a:t>边形组合的图</a:t>
             </a:r>
+            <a:endParaRPr lang="zh-CN" altLang="en-US" sz="2000" dirty="0">
+              <a:solidFill>
+                <a:schemeClr val="bg1"/>
+              </a:solidFill>
+              <a:latin typeface="微软雅黑" panose="020B0503020204020204" charset="-122"/>
+              <a:ea typeface="微软雅黑" panose="020B0503020204020204" charset="-122"/>
+            </a:endParaRPr>
           </a:p>
           <a:p>
             <a:r>
@@ -4474,6 +5131,13 @@
               </a:rPr>
               <a:t>sides = 6</a:t>
             </a:r>
+            <a:endParaRPr lang="en-US" altLang="zh-CN" sz="2000" dirty="0">
+              <a:solidFill>
+                <a:schemeClr val="bg1"/>
+              </a:solidFill>
+              <a:latin typeface="微软雅黑" panose="020B0503020204020204" charset="-122"/>
+              <a:ea typeface="微软雅黑" panose="020B0503020204020204" charset="-122"/>
+            </a:endParaRPr>
           </a:p>
           <a:p>
             <a:r>
@@ -4516,6 +5180,13 @@
               </a:rPr>
               <a:t>种</a:t>
             </a:r>
+            <a:endParaRPr lang="zh-CN" altLang="en-US" sz="2000" dirty="0">
+              <a:solidFill>
+                <a:schemeClr val="bg1"/>
+              </a:solidFill>
+              <a:latin typeface="微软雅黑" panose="020B0503020204020204" charset="-122"/>
+              <a:ea typeface="微软雅黑" panose="020B0503020204020204" charset="-122"/>
+            </a:endParaRPr>
           </a:p>
           <a:p>
             <a:r>
@@ -4528,6 +5199,13 @@
               </a:rPr>
               <a:t>colors = ["red", "yellow", "blue", </a:t>
             </a:r>
+            <a:endParaRPr lang="en-US" altLang="zh-CN" sz="2000" dirty="0">
+              <a:solidFill>
+                <a:schemeClr val="bg1"/>
+              </a:solidFill>
+              <a:latin typeface="微软雅黑" panose="020B0503020204020204" charset="-122"/>
+              <a:ea typeface="微软雅黑" panose="020B0503020204020204" charset="-122"/>
+            </a:endParaRPr>
           </a:p>
           <a:p>
             <a:r>
@@ -4540,6 +5218,13 @@
               </a:rPr>
               <a:t>           "orange", "green", "purple"]</a:t>
             </a:r>
+            <a:endParaRPr lang="en-US" altLang="zh-CN" sz="2000" dirty="0">
+              <a:solidFill>
+                <a:schemeClr val="bg1"/>
+              </a:solidFill>
+              <a:latin typeface="微软雅黑" panose="020B0503020204020204" charset="-122"/>
+              <a:ea typeface="微软雅黑" panose="020B0503020204020204" charset="-122"/>
+            </a:endParaRPr>
           </a:p>
           <a:p>
             <a:r>
@@ -4552,6 +5237,13 @@
               </a:rPr>
               <a:t>for x in range(360):</a:t>
             </a:r>
+            <a:endParaRPr lang="en-US" altLang="zh-CN" sz="2000" dirty="0">
+              <a:solidFill>
+                <a:schemeClr val="bg1"/>
+              </a:solidFill>
+              <a:latin typeface="微软雅黑" panose="020B0503020204020204" charset="-122"/>
+              <a:ea typeface="微软雅黑" panose="020B0503020204020204" charset="-122"/>
+            </a:endParaRPr>
           </a:p>
           <a:p>
             <a:r>
@@ -4604,6 +5296,13 @@
               </a:rPr>
               <a:t>])</a:t>
             </a:r>
+            <a:endParaRPr lang="en-US" altLang="zh-CN" sz="2000" dirty="0">
+              <a:solidFill>
+                <a:schemeClr val="bg1"/>
+              </a:solidFill>
+              <a:latin typeface="微软雅黑" panose="020B0503020204020204" charset="-122"/>
+              <a:ea typeface="微软雅黑" panose="020B0503020204020204" charset="-122"/>
+            </a:endParaRPr>
           </a:p>
           <a:p>
             <a:r>
@@ -4636,6 +5335,13 @@
               </a:rPr>
               <a:t>(x * 3/sides + x)</a:t>
             </a:r>
+            <a:endParaRPr lang="en-US" altLang="zh-CN" sz="2000" dirty="0">
+              <a:solidFill>
+                <a:schemeClr val="bg1"/>
+              </a:solidFill>
+              <a:latin typeface="微软雅黑" panose="020B0503020204020204" charset="-122"/>
+              <a:ea typeface="微软雅黑" panose="020B0503020204020204" charset="-122"/>
+            </a:endParaRPr>
           </a:p>
           <a:p>
             <a:r>
@@ -4668,6 +5374,13 @@
               </a:rPr>
               <a:t>(360/sides + 1)</a:t>
             </a:r>
+            <a:endParaRPr lang="en-US" altLang="zh-CN" sz="2000" dirty="0">
+              <a:solidFill>
+                <a:schemeClr val="bg1"/>
+              </a:solidFill>
+              <a:latin typeface="微软雅黑" panose="020B0503020204020204" charset="-122"/>
+              <a:ea typeface="微软雅黑" panose="020B0503020204020204" charset="-122"/>
+            </a:endParaRPr>
           </a:p>
           <a:p>
             <a:r>
@@ -4700,6 +5413,13 @@
               </a:rPr>
               <a:t>(x*sides/200)</a:t>
             </a:r>
+            <a:endParaRPr lang="en-US" altLang="zh-CN" sz="2000" dirty="0">
+              <a:solidFill>
+                <a:schemeClr val="bg1"/>
+              </a:solidFill>
+              <a:latin typeface="微软雅黑" panose="020B0503020204020204" charset="-122"/>
+              <a:ea typeface="微软雅黑" panose="020B0503020204020204" charset="-122"/>
+            </a:endParaRPr>
           </a:p>
           <a:p>
             <a:r>
@@ -4722,6 +5442,13 @@
               </a:rPr>
               <a:t>()</a:t>
             </a:r>
+            <a:endParaRPr lang="en-US" altLang="zh-CN" sz="2000" dirty="0">
+              <a:solidFill>
+                <a:schemeClr val="bg1"/>
+              </a:solidFill>
+              <a:latin typeface="微软雅黑" panose="020B0503020204020204" charset="-122"/>
+              <a:ea typeface="微软雅黑" panose="020B0503020204020204" charset="-122"/>
+            </a:endParaRPr>
           </a:p>
           <a:p>
             <a:r>
@@ -4763,7 +5490,7 @@
           <p:nvPr/>
         </p:nvPicPr>
         <p:blipFill>
-          <a:blip r:embed="rId2"/>
+          <a:blip r:embed="rId1"/>
           <a:srcRect/>
           <a:stretch>
             <a:fillRect/>
@@ -4834,6 +5561,13 @@
               </a:rPr>
               <a:t>多边形变化</a:t>
             </a:r>
+            <a:endParaRPr lang="zh-CN" altLang="en-US" sz="2400" dirty="0">
+              <a:solidFill>
+                <a:schemeClr val="bg1"/>
+              </a:solidFill>
+              <a:latin typeface="微软雅黑" panose="020B0503020204020204" charset="-122"/>
+              <a:ea typeface="微软雅黑" panose="020B0503020204020204" charset="-122"/>
+            </a:endParaRPr>
           </a:p>
         </p:txBody>
       </p:sp>
@@ -4894,6 +5628,13 @@
               </a:rPr>
               <a:t>import re</a:t>
             </a:r>
+            <a:endParaRPr lang="en-US" altLang="zh-CN" sz="1600" dirty="0">
+              <a:solidFill>
+                <a:schemeClr val="bg1"/>
+              </a:solidFill>
+              <a:latin typeface="微软雅黑" panose="020B0503020204020204" charset="-122"/>
+              <a:ea typeface="微软雅黑" panose="020B0503020204020204" charset="-122"/>
+            </a:endParaRPr>
           </a:p>
           <a:p>
             <a:r>
@@ -4906,6 +5647,13 @@
               </a:rPr>
               <a:t>import sys</a:t>
             </a:r>
+            <a:endParaRPr lang="en-US" altLang="zh-CN" sz="1600" dirty="0">
+              <a:solidFill>
+                <a:schemeClr val="bg1"/>
+              </a:solidFill>
+              <a:latin typeface="微软雅黑" panose="020B0503020204020204" charset="-122"/>
+              <a:ea typeface="微软雅黑" panose="020B0503020204020204" charset="-122"/>
+            </a:endParaRPr>
           </a:p>
           <a:p>
             <a:r>
@@ -4928,6 +5676,13 @@
               </a:rPr>
               <a:t>="utf-8"</a:t>
             </a:r>
+            <a:endParaRPr lang="en-US" altLang="zh-CN" sz="1600" dirty="0">
+              <a:solidFill>
+                <a:schemeClr val="bg1"/>
+              </a:solidFill>
+              <a:latin typeface="微软雅黑" panose="020B0503020204020204" charset="-122"/>
+              <a:ea typeface="微软雅黑" panose="020B0503020204020204" charset="-122"/>
+            </a:endParaRPr>
           </a:p>
           <a:p>
             <a:r>
@@ -4980,6 +5735,13 @@
               </a:rPr>
               <a:t>()):</a:t>
             </a:r>
+            <a:endParaRPr lang="en-US" altLang="zh-CN" sz="1600" dirty="0">
+              <a:solidFill>
+                <a:schemeClr val="bg1"/>
+              </a:solidFill>
+              <a:latin typeface="微软雅黑" panose="020B0503020204020204" charset="-122"/>
+              <a:ea typeface="微软雅黑" panose="020B0503020204020204" charset="-122"/>
+            </a:endParaRPr>
           </a:p>
           <a:p>
             <a:r>
@@ -4992,6 +5754,13 @@
               </a:rPr>
               <a:t>    reload(sys)</a:t>
             </a:r>
+            <a:endParaRPr lang="en-US" altLang="zh-CN" sz="1600" dirty="0">
+              <a:solidFill>
+                <a:schemeClr val="bg1"/>
+              </a:solidFill>
+              <a:latin typeface="微软雅黑" panose="020B0503020204020204" charset="-122"/>
+              <a:ea typeface="微软雅黑" panose="020B0503020204020204" charset="-122"/>
+            </a:endParaRPr>
           </a:p>
           <a:p>
             <a:r>
@@ -5034,6 +5803,13 @@
               </a:rPr>
               <a:t>)</a:t>
             </a:r>
+            <a:endParaRPr lang="en-US" altLang="zh-CN" sz="1600" dirty="0">
+              <a:solidFill>
+                <a:schemeClr val="bg1"/>
+              </a:solidFill>
+              <a:latin typeface="微软雅黑" panose="020B0503020204020204" charset="-122"/>
+              <a:ea typeface="微软雅黑" panose="020B0503020204020204" charset="-122"/>
+            </a:endParaRPr>
           </a:p>
           <a:p>
             <a:r>
@@ -5046,6 +5822,13 @@
               </a:rPr>
               <a:t>import turtle</a:t>
             </a:r>
+            <a:endParaRPr lang="en-US" altLang="zh-CN" sz="1600" dirty="0">
+              <a:solidFill>
+                <a:schemeClr val="bg1"/>
+              </a:solidFill>
+              <a:latin typeface="微软雅黑" panose="020B0503020204020204" charset="-122"/>
+              <a:ea typeface="微软雅黑" panose="020B0503020204020204" charset="-122"/>
+            </a:endParaRPr>
           </a:p>
           <a:p>
             <a:r>
@@ -5078,6 +5861,13 @@
               </a:rPr>
               <a:t>("Input Your Name.\n")</a:t>
             </a:r>
+            <a:endParaRPr lang="en-US" altLang="zh-CN" sz="1600" dirty="0">
+              <a:solidFill>
+                <a:schemeClr val="bg1"/>
+              </a:solidFill>
+              <a:latin typeface="微软雅黑" panose="020B0503020204020204" charset="-122"/>
+              <a:ea typeface="微软雅黑" panose="020B0503020204020204" charset="-122"/>
+            </a:endParaRPr>
           </a:p>
           <a:p>
             <a:r>
@@ -5120,6 +5910,13 @@
               </a:rPr>
               <a:t>()</a:t>
             </a:r>
+            <a:endParaRPr lang="en-US" altLang="zh-CN" sz="1600" dirty="0">
+              <a:solidFill>
+                <a:schemeClr val="bg1"/>
+              </a:solidFill>
+              <a:latin typeface="微软雅黑" panose="020B0503020204020204" charset="-122"/>
+              <a:ea typeface="微软雅黑" panose="020B0503020204020204" charset="-122"/>
+            </a:endParaRPr>
           </a:p>
           <a:p>
             <a:r>
@@ -5142,6 +5939,13 @@
               </a:rPr>
               <a:t>("black")</a:t>
             </a:r>
+            <a:endParaRPr lang="en-US" altLang="zh-CN" sz="1600" dirty="0">
+              <a:solidFill>
+                <a:schemeClr val="bg1"/>
+              </a:solidFill>
+              <a:latin typeface="微软雅黑" panose="020B0503020204020204" charset="-122"/>
+              <a:ea typeface="微软雅黑" panose="020B0503020204020204" charset="-122"/>
+            </a:endParaRPr>
           </a:p>
           <a:p>
             <a:r>
@@ -5184,6 +5988,13 @@
               </a:rPr>
               <a:t>边形组合的图</a:t>
             </a:r>
+            <a:endParaRPr lang="zh-CN" altLang="en-US" sz="1600" dirty="0">
+              <a:solidFill>
+                <a:schemeClr val="bg1"/>
+              </a:solidFill>
+              <a:latin typeface="微软雅黑" panose="020B0503020204020204" charset="-122"/>
+              <a:ea typeface="微软雅黑" panose="020B0503020204020204" charset="-122"/>
+            </a:endParaRPr>
           </a:p>
           <a:p>
             <a:r>
@@ -5196,6 +6007,13 @@
               </a:rPr>
               <a:t>sides = 6</a:t>
             </a:r>
+            <a:endParaRPr lang="en-US" altLang="zh-CN" sz="1600" dirty="0">
+              <a:solidFill>
+                <a:schemeClr val="bg1"/>
+              </a:solidFill>
+              <a:latin typeface="微软雅黑" panose="020B0503020204020204" charset="-122"/>
+              <a:ea typeface="微软雅黑" panose="020B0503020204020204" charset="-122"/>
+            </a:endParaRPr>
           </a:p>
           <a:p>
             <a:r>
@@ -5238,6 +6056,13 @@
               </a:rPr>
               <a:t>种</a:t>
             </a:r>
+            <a:endParaRPr lang="zh-CN" altLang="en-US" sz="1600" dirty="0">
+              <a:solidFill>
+                <a:schemeClr val="bg1"/>
+              </a:solidFill>
+              <a:latin typeface="微软雅黑" panose="020B0503020204020204" charset="-122"/>
+              <a:ea typeface="微软雅黑" panose="020B0503020204020204" charset="-122"/>
+            </a:endParaRPr>
           </a:p>
           <a:p>
             <a:r>
@@ -5250,6 +6075,13 @@
               </a:rPr>
               <a:t>colors = ["red", "yellow", "blue",</a:t>
             </a:r>
+            <a:endParaRPr lang="en-US" altLang="zh-CN" sz="1600" dirty="0">
+              <a:solidFill>
+                <a:schemeClr val="bg1"/>
+              </a:solidFill>
+              <a:latin typeface="微软雅黑" panose="020B0503020204020204" charset="-122"/>
+              <a:ea typeface="微软雅黑" panose="020B0503020204020204" charset="-122"/>
+            </a:endParaRPr>
           </a:p>
           <a:p>
             <a:r>
@@ -5262,6 +6094,13 @@
               </a:rPr>
               <a:t>          "orange", "green", "purple"]</a:t>
             </a:r>
+            <a:endParaRPr lang="en-US" altLang="zh-CN" sz="1600" dirty="0">
+              <a:solidFill>
+                <a:schemeClr val="bg1"/>
+              </a:solidFill>
+              <a:latin typeface="微软雅黑" panose="020B0503020204020204" charset="-122"/>
+              <a:ea typeface="微软雅黑" panose="020B0503020204020204" charset="-122"/>
+            </a:endParaRPr>
           </a:p>
           <a:p>
             <a:r>
@@ -5274,6 +6113,13 @@
               </a:rPr>
               <a:t>for x in range(100):</a:t>
             </a:r>
+            <a:endParaRPr lang="en-US" altLang="zh-CN" sz="1600" dirty="0">
+              <a:solidFill>
+                <a:schemeClr val="bg1"/>
+              </a:solidFill>
+              <a:latin typeface="微软雅黑" panose="020B0503020204020204" charset="-122"/>
+              <a:ea typeface="微软雅黑" panose="020B0503020204020204" charset="-122"/>
+            </a:endParaRPr>
           </a:p>
           <a:p>
             <a:r>
@@ -5306,6 +6152,13 @@
               </a:rPr>
               <a:t>(colors[x % sides])</a:t>
             </a:r>
+            <a:endParaRPr lang="en-US" altLang="zh-CN" sz="1600" dirty="0">
+              <a:solidFill>
+                <a:schemeClr val="bg1"/>
+              </a:solidFill>
+              <a:latin typeface="微软雅黑" panose="020B0503020204020204" charset="-122"/>
+              <a:ea typeface="微软雅黑" panose="020B0503020204020204" charset="-122"/>
+            </a:endParaRPr>
           </a:p>
           <a:p>
             <a:r>
@@ -5338,6 +6191,13 @@
               </a:rPr>
               <a:t>(x * 3 / sides + x)</a:t>
             </a:r>
+            <a:endParaRPr lang="en-US" altLang="zh-CN" sz="1600" dirty="0">
+              <a:solidFill>
+                <a:schemeClr val="bg1"/>
+              </a:solidFill>
+              <a:latin typeface="微软雅黑" panose="020B0503020204020204" charset="-122"/>
+              <a:ea typeface="微软雅黑" panose="020B0503020204020204" charset="-122"/>
+            </a:endParaRPr>
           </a:p>
           <a:p>
             <a:r>
@@ -5370,6 +6230,13 @@
               </a:rPr>
               <a:t>(360 / sides + 1)</a:t>
             </a:r>
+            <a:endParaRPr lang="en-US" altLang="zh-CN" sz="1600" dirty="0">
+              <a:solidFill>
+                <a:schemeClr val="bg1"/>
+              </a:solidFill>
+              <a:latin typeface="微软雅黑" panose="020B0503020204020204" charset="-122"/>
+              <a:ea typeface="微软雅黑" panose="020B0503020204020204" charset="-122"/>
+            </a:endParaRPr>
           </a:p>
           <a:p>
             <a:r>
@@ -5400,10 +6267,8 @@
                 <a:latin typeface="微软雅黑" panose="020B0503020204020204" charset="-122"/>
                 <a:ea typeface="微软雅黑" panose="020B0503020204020204" charset="-122"/>
               </a:rPr>
-              <a:t>(x * sides / 200)</a:t>
-            </a:r>
-          </a:p>
-          <a:p>
+              <a:t>(x * sides / 200) </a:t>
+            </a:r>
             <a:endParaRPr lang="en-US" altLang="zh-CN" sz="1600" dirty="0">
               <a:solidFill>
                 <a:schemeClr val="bg1"/>
@@ -5440,6 +6305,15 @@
             </a:endParaRPr>
           </a:p>
           <a:p>
+            <a:endParaRPr lang="en-US" altLang="zh-CN" sz="1600" dirty="0">
+              <a:solidFill>
+                <a:schemeClr val="bg1"/>
+              </a:solidFill>
+              <a:latin typeface="微软雅黑" panose="020B0503020204020204" charset="-122"/>
+              <a:ea typeface="微软雅黑" panose="020B0503020204020204" charset="-122"/>
+            </a:endParaRPr>
+          </a:p>
+          <a:p>
             <a:endParaRPr lang="zh-CN" altLang="en-US" sz="1200" dirty="0">
               <a:solidFill>
                 <a:schemeClr val="bg1"/>
@@ -5459,8 +6333,6 @@
               </a:rPr>
               <a:t>    </a:t>
             </a:r>
-          </a:p>
-          <a:p>
             <a:endParaRPr lang="en-US" altLang="zh-CN" sz="1600" dirty="0">
               <a:solidFill>
                 <a:schemeClr val="bg1"/>
@@ -5488,6 +6360,15 @@
             </a:endParaRPr>
           </a:p>
           <a:p>
+            <a:endParaRPr lang="en-US" altLang="zh-CN" sz="1600" dirty="0">
+              <a:solidFill>
+                <a:schemeClr val="bg1"/>
+              </a:solidFill>
+              <a:latin typeface="微软雅黑" panose="020B0503020204020204" charset="-122"/>
+              <a:ea typeface="微软雅黑" panose="020B0503020204020204" charset="-122"/>
+            </a:endParaRPr>
+          </a:p>
+          <a:p>
             <a:r>
               <a:rPr lang="en-US" altLang="zh-CN" sz="1600" dirty="0">
                 <a:solidFill>
@@ -5508,6 +6389,13 @@
               </a:rPr>
               <a:t>我们掏出自己的签名笔</a:t>
             </a:r>
+            <a:endParaRPr lang="zh-CN" altLang="en-US" sz="1600" dirty="0">
+              <a:solidFill>
+                <a:schemeClr val="bg1"/>
+              </a:solidFill>
+              <a:latin typeface="微软雅黑" panose="020B0503020204020204" charset="-122"/>
+              <a:ea typeface="微软雅黑" panose="020B0503020204020204" charset="-122"/>
+            </a:endParaRPr>
           </a:p>
           <a:p>
             <a:r>
@@ -5550,6 +6438,13 @@
               </a:rPr>
               <a:t>()</a:t>
             </a:r>
+            <a:endParaRPr lang="en-US" altLang="zh-CN" sz="1600" dirty="0">
+              <a:solidFill>
+                <a:schemeClr val="bg1"/>
+              </a:solidFill>
+              <a:latin typeface="微软雅黑" panose="020B0503020204020204" charset="-122"/>
+              <a:ea typeface="微软雅黑" panose="020B0503020204020204" charset="-122"/>
+            </a:endParaRPr>
           </a:p>
           <a:p>
             <a:r>
@@ -5572,6 +6467,13 @@
               </a:rPr>
               <a:t>把签名笔拿起来</a:t>
             </a:r>
+            <a:endParaRPr lang="zh-CN" altLang="en-US" sz="1600" dirty="0">
+              <a:solidFill>
+                <a:schemeClr val="bg1"/>
+              </a:solidFill>
+              <a:latin typeface="微软雅黑" panose="020B0503020204020204" charset="-122"/>
+              <a:ea typeface="微软雅黑" panose="020B0503020204020204" charset="-122"/>
+            </a:endParaRPr>
           </a:p>
           <a:p>
             <a:r>
@@ -5594,6 +6496,13 @@
               </a:rPr>
               <a:t>()</a:t>
             </a:r>
+            <a:endParaRPr lang="en-US" altLang="zh-CN" sz="1600" dirty="0">
+              <a:solidFill>
+                <a:schemeClr val="bg1"/>
+              </a:solidFill>
+              <a:latin typeface="微软雅黑" panose="020B0503020204020204" charset="-122"/>
+              <a:ea typeface="微软雅黑" panose="020B0503020204020204" charset="-122"/>
+            </a:endParaRPr>
           </a:p>
           <a:p>
             <a:r>
@@ -5616,6 +6525,13 @@
               </a:rPr>
               <a:t>(90)</a:t>
             </a:r>
+            <a:endParaRPr lang="en-US" altLang="zh-CN" sz="1600" dirty="0">
+              <a:solidFill>
+                <a:schemeClr val="bg1"/>
+              </a:solidFill>
+              <a:latin typeface="微软雅黑" panose="020B0503020204020204" charset="-122"/>
+              <a:ea typeface="微软雅黑" panose="020B0503020204020204" charset="-122"/>
+            </a:endParaRPr>
           </a:p>
           <a:p>
             <a:r>
@@ -5638,6 +6554,13 @@
               </a:rPr>
               <a:t>(230)</a:t>
             </a:r>
+            <a:endParaRPr lang="en-US" altLang="zh-CN" sz="1600" dirty="0">
+              <a:solidFill>
+                <a:schemeClr val="bg1"/>
+              </a:solidFill>
+              <a:latin typeface="微软雅黑" panose="020B0503020204020204" charset="-122"/>
+              <a:ea typeface="微软雅黑" panose="020B0503020204020204" charset="-122"/>
+            </a:endParaRPr>
           </a:p>
           <a:p>
             <a:r>
@@ -5660,6 +6583,13 @@
               </a:rPr>
               <a:t>(90)</a:t>
             </a:r>
+            <a:endParaRPr lang="en-US" altLang="zh-CN" sz="1600" dirty="0">
+              <a:solidFill>
+                <a:schemeClr val="bg1"/>
+              </a:solidFill>
+              <a:latin typeface="微软雅黑" panose="020B0503020204020204" charset="-122"/>
+              <a:ea typeface="微软雅黑" panose="020B0503020204020204" charset="-122"/>
+            </a:endParaRPr>
           </a:p>
           <a:p>
             <a:r>
@@ -5682,6 +6612,13 @@
               </a:rPr>
               <a:t>(130)</a:t>
             </a:r>
+            <a:endParaRPr lang="en-US" altLang="zh-CN" sz="1600" dirty="0">
+              <a:solidFill>
+                <a:schemeClr val="bg1"/>
+              </a:solidFill>
+              <a:latin typeface="微软雅黑" panose="020B0503020204020204" charset="-122"/>
+              <a:ea typeface="微软雅黑" panose="020B0503020204020204" charset="-122"/>
+            </a:endParaRPr>
           </a:p>
           <a:p>
             <a:r>
@@ -5704,6 +6641,13 @@
               </a:rPr>
               <a:t>握紧签名笔</a:t>
             </a:r>
+            <a:endParaRPr lang="zh-CN" altLang="en-US" sz="1600" dirty="0">
+              <a:solidFill>
+                <a:schemeClr val="bg1"/>
+              </a:solidFill>
+              <a:latin typeface="微软雅黑" panose="020B0503020204020204" charset="-122"/>
+              <a:ea typeface="微软雅黑" panose="020B0503020204020204" charset="-122"/>
+            </a:endParaRPr>
           </a:p>
           <a:p>
             <a:r>
@@ -5726,6 +6670,13 @@
               </a:rPr>
               <a:t>()</a:t>
             </a:r>
+            <a:endParaRPr lang="en-US" altLang="zh-CN" sz="1600" dirty="0">
+              <a:solidFill>
+                <a:schemeClr val="bg1"/>
+              </a:solidFill>
+              <a:latin typeface="微软雅黑" panose="020B0503020204020204" charset="-122"/>
+              <a:ea typeface="微软雅黑" panose="020B0503020204020204" charset="-122"/>
+            </a:endParaRPr>
           </a:p>
           <a:p>
             <a:r>
@@ -5748,8 +6699,6 @@
               </a:rPr>
               <a:t>('yellow')</a:t>
             </a:r>
-          </a:p>
-          <a:p>
             <a:endParaRPr lang="en-US" altLang="zh-CN" sz="1600" dirty="0">
               <a:solidFill>
                 <a:schemeClr val="bg1"/>
@@ -5759,6 +6708,15 @@
             </a:endParaRPr>
           </a:p>
           <a:p>
+            <a:endParaRPr lang="en-US" altLang="zh-CN" sz="1600" dirty="0">
+              <a:solidFill>
+                <a:schemeClr val="bg1"/>
+              </a:solidFill>
+              <a:latin typeface="微软雅黑" panose="020B0503020204020204" charset="-122"/>
+              <a:ea typeface="微软雅黑" panose="020B0503020204020204" charset="-122"/>
+            </a:endParaRPr>
+          </a:p>
+          <a:p>
             <a:r>
               <a:rPr lang="en-US" altLang="zh-CN" sz="1600" dirty="0">
                 <a:solidFill>
@@ -5779,6 +6737,13 @@
               </a:rPr>
               <a:t>签下自己的名字</a:t>
             </a:r>
+            <a:endParaRPr lang="zh-CN" altLang="en-US" sz="1600" dirty="0">
+              <a:solidFill>
+                <a:schemeClr val="bg1"/>
+              </a:solidFill>
+              <a:latin typeface="微软雅黑" panose="020B0503020204020204" charset="-122"/>
+              <a:ea typeface="微软雅黑" panose="020B0503020204020204" charset="-122"/>
+            </a:endParaRPr>
           </a:p>
           <a:p>
             <a:r>
@@ -5841,6 +6806,13 @@
               </a:rPr>
               <a:t> ") +</a:t>
             </a:r>
+            <a:endParaRPr lang="en-US" altLang="zh-CN" sz="1600" dirty="0">
+              <a:solidFill>
+                <a:schemeClr val="bg1"/>
+              </a:solidFill>
+              <a:latin typeface="微软雅黑" panose="020B0503020204020204" charset="-122"/>
+              <a:ea typeface="微软雅黑" panose="020B0503020204020204" charset="-122"/>
+            </a:endParaRPr>
           </a:p>
           <a:p>
             <a:r>
@@ -5933,6 +6905,13 @@
               </a:rPr>
               <a:t> "))</a:t>
             </a:r>
+            <a:endParaRPr lang="en-US" altLang="zh-CN" sz="1600" dirty="0">
+              <a:solidFill>
+                <a:schemeClr val="bg1"/>
+              </a:solidFill>
+              <a:latin typeface="微软雅黑" panose="020B0503020204020204" charset="-122"/>
+              <a:ea typeface="微软雅黑" panose="020B0503020204020204" charset="-122"/>
+            </a:endParaRPr>
           </a:p>
           <a:p>
             <a:r>
@@ -5955,8 +6934,6 @@
               </a:rPr>
               <a:t>()</a:t>
             </a:r>
-          </a:p>
-          <a:p>
             <a:endParaRPr lang="en-US" altLang="zh-CN" sz="1600" dirty="0">
               <a:solidFill>
                 <a:schemeClr val="bg1"/>
@@ -5966,6 +6943,15 @@
             </a:endParaRPr>
           </a:p>
           <a:p>
+            <a:endParaRPr lang="en-US" altLang="zh-CN" sz="1600" dirty="0">
+              <a:solidFill>
+                <a:schemeClr val="bg1"/>
+              </a:solidFill>
+              <a:latin typeface="微软雅黑" panose="020B0503020204020204" charset="-122"/>
+              <a:ea typeface="微软雅黑" panose="020B0503020204020204" charset="-122"/>
+            </a:endParaRPr>
+          </a:p>
+          <a:p>
             <a:r>
               <a:rPr lang="en-US" altLang="zh-CN" sz="1600" dirty="0" err="1">
                 <a:solidFill>
@@ -5986,6 +6972,13 @@
               </a:rPr>
               <a:t>()</a:t>
             </a:r>
+            <a:endParaRPr lang="en-US" altLang="zh-CN" sz="1600" dirty="0">
+              <a:solidFill>
+                <a:schemeClr val="bg1"/>
+              </a:solidFill>
+              <a:latin typeface="微软雅黑" panose="020B0503020204020204" charset="-122"/>
+              <a:ea typeface="微软雅黑" panose="020B0503020204020204" charset="-122"/>
+            </a:endParaRPr>
           </a:p>
           <a:p>
             <a:r>
@@ -6062,6 +7055,13 @@
               </a:rPr>
               <a:t>签名</a:t>
             </a:r>
+            <a:endParaRPr lang="zh-CN" altLang="en-US" sz="2400" dirty="0">
+              <a:solidFill>
+                <a:schemeClr val="bg1"/>
+              </a:solidFill>
+              <a:latin typeface="微软雅黑" panose="020B0503020204020204" charset="-122"/>
+              <a:ea typeface="微软雅黑" panose="020B0503020204020204" charset="-122"/>
+            </a:endParaRPr>
           </a:p>
         </p:txBody>
       </p:sp>
@@ -6132,6 +7132,13 @@
               </a:rPr>
               <a:t>！</a:t>
             </a:r>
+            <a:endParaRPr lang="zh-CN" altLang="en-US" sz="6000" dirty="0">
+              <a:solidFill>
+                <a:schemeClr val="bg1"/>
+              </a:solidFill>
+              <a:latin typeface="微软雅黑" panose="020B0503020204020204" charset="-122"/>
+              <a:ea typeface="微软雅黑" panose="020B0503020204020204" charset="-122"/>
+            </a:endParaRPr>
           </a:p>
         </p:txBody>
       </p:sp>
@@ -6296,6 +7303,13 @@
               </a:rPr>
               <a:t>让我们从绘图开始</a:t>
             </a:r>
+            <a:endParaRPr lang="zh-CN" altLang="en-US" sz="2800" dirty="0">
+              <a:solidFill>
+                <a:schemeClr val="bg1"/>
+              </a:solidFill>
+              <a:latin typeface="微软雅黑" panose="020B0503020204020204" charset="-122"/>
+              <a:ea typeface="微软雅黑" panose="020B0503020204020204" charset="-122"/>
+            </a:endParaRPr>
           </a:p>
         </p:txBody>
       </p:sp>
@@ -6374,6 +7388,13 @@
               </a:rPr>
               <a:t>Programming Language</a:t>
             </a:r>
+            <a:endParaRPr lang="en-US" altLang="zh-CN" b="1" dirty="0">
+              <a:solidFill>
+                <a:schemeClr val="bg1"/>
+              </a:solidFill>
+              <a:latin typeface="微软雅黑" panose="020B0503020204020204" charset="-122"/>
+              <a:ea typeface="微软雅黑" panose="020B0503020204020204" charset="-122"/>
+            </a:endParaRPr>
           </a:p>
           <a:p>
             <a:endParaRPr lang="en-US" altLang="zh-CN" b="1" dirty="0">
@@ -6459,7 +7480,7 @@
           <p:nvPr/>
         </p:nvPicPr>
         <p:blipFill>
-          <a:blip r:embed="rId2">
+          <a:blip r:embed="rId1">
             <a:extLst>
               <a:ext uri="{28A0092B-C50C-407E-A947-70E740481C1C}">
                 <a14:useLocalDpi xmlns:a14="http://schemas.microsoft.com/office/drawing/2010/main" val="0"/>
@@ -6629,7 +7650,7 @@
           <p:nvPr/>
         </p:nvPicPr>
         <p:blipFill>
-          <a:blip r:embed="rId2"/>
+          <a:blip r:embed="rId1"/>
           <a:stretch>
             <a:fillRect/>
           </a:stretch>
@@ -6705,6 +7726,13 @@
               </a:rPr>
               <a:t>岁就开始编程。  </a:t>
             </a:r>
+            <a:endParaRPr lang="zh-CN" altLang="en-US" dirty="0">
+              <a:solidFill>
+                <a:schemeClr val="bg1"/>
+              </a:solidFill>
+              <a:latin typeface="微软雅黑" panose="020B0503020204020204" charset="-122"/>
+              <a:ea typeface="微软雅黑" panose="020B0503020204020204" charset="-122"/>
+            </a:endParaRPr>
           </a:p>
           <a:p>
             <a:r>
@@ -6767,6 +7795,13 @@
               </a:rPr>
               <a:t>App</a:t>
             </a:r>
+            <a:endParaRPr lang="en-US" altLang="zh-CN" dirty="0">
+              <a:solidFill>
+                <a:schemeClr val="bg1"/>
+              </a:solidFill>
+              <a:latin typeface="微软雅黑" panose="020B0503020204020204" charset="-122"/>
+              <a:ea typeface="微软雅黑" panose="020B0503020204020204" charset="-122"/>
+            </a:endParaRPr>
           </a:p>
           <a:p>
             <a:r>
@@ -6838,7 +7873,7 @@
           <p:nvPr/>
         </p:nvPicPr>
         <p:blipFill>
-          <a:blip r:embed="rId3">
+          <a:blip r:embed="rId2">
             <a:extLst>
               <a:ext uri="{28A0092B-C50C-407E-A947-70E740481C1C}">
                 <a14:useLocalDpi xmlns:a14="http://schemas.microsoft.com/office/drawing/2010/main" val="0"/>
@@ -6879,7 +7914,7 @@
           <p:nvPr/>
         </p:nvPicPr>
         <p:blipFill>
-          <a:blip r:embed="rId4">
+          <a:blip r:embed="rId3">
             <a:extLst>
               <a:ext uri="{28A0092B-C50C-407E-A947-70E740481C1C}">
                 <a14:useLocalDpi xmlns:a14="http://schemas.microsoft.com/office/drawing/2010/main" val="0"/>
@@ -7181,7 +8216,7 @@
           <p:nvPr/>
         </p:nvPicPr>
         <p:blipFill>
-          <a:blip r:embed="rId2">
+          <a:blip r:embed="rId1">
             <a:extLst>
               <a:ext uri="{28A0092B-C50C-407E-A947-70E740481C1C}">
                 <a14:useLocalDpi xmlns:a14="http://schemas.microsoft.com/office/drawing/2010/main" val="0"/>
@@ -7222,7 +8257,7 @@
           <p:nvPr/>
         </p:nvPicPr>
         <p:blipFill>
-          <a:blip r:embed="rId3">
+          <a:blip r:embed="rId2">
             <a:extLst>
               <a:ext uri="{28A0092B-C50C-407E-A947-70E740481C1C}">
                 <a14:useLocalDpi xmlns:a14="http://schemas.microsoft.com/office/drawing/2010/main" val="0"/>
@@ -7263,7 +8298,7 @@
           <p:nvPr/>
         </p:nvPicPr>
         <p:blipFill>
-          <a:blip r:embed="rId4">
+          <a:blip r:embed="rId3">
             <a:extLst>
               <a:ext uri="{28A0092B-C50C-407E-A947-70E740481C1C}">
                 <a14:useLocalDpi xmlns:a14="http://schemas.microsoft.com/office/drawing/2010/main" val="0"/>
@@ -7304,7 +8339,7 @@
           <p:nvPr/>
         </p:nvPicPr>
         <p:blipFill>
-          <a:blip r:embed="rId5">
+          <a:blip r:embed="rId4">
             <a:extLst>
               <a:ext uri="{28A0092B-C50C-407E-A947-70E740481C1C}">
                 <a14:useLocalDpi xmlns:a14="http://schemas.microsoft.com/office/drawing/2010/main" val="0"/>
@@ -7345,7 +8380,7 @@
           <p:nvPr/>
         </p:nvPicPr>
         <p:blipFill>
-          <a:blip r:embed="rId6">
+          <a:blip r:embed="rId5">
             <a:extLst>
               <a:ext uri="{28A0092B-C50C-407E-A947-70E740481C1C}">
                 <a14:useLocalDpi xmlns:a14="http://schemas.microsoft.com/office/drawing/2010/main" val="0"/>
@@ -7636,6 +8671,21 @@
               </a:rPr>
               <a:t>！</a:t>
             </a:r>
+            <a:endParaRPr lang="zh-CN" altLang="en-US" sz="5400" b="1" spc="50" dirty="0">
+              <a:ln w="0"/>
+              <a:solidFill>
+                <a:schemeClr val="bg2"/>
+              </a:solidFill>
+              <a:effectLst>
+                <a:innerShdw blurRad="63500" dist="50800" dir="13500000">
+                  <a:srgbClr val="000000">
+                    <a:alpha val="50000"/>
+                  </a:srgbClr>
+                </a:innerShdw>
+              </a:effectLst>
+              <a:latin typeface="微软雅黑" panose="020B0503020204020204" charset="-122"/>
+              <a:ea typeface="微软雅黑" panose="020B0503020204020204" charset="-122"/>
+            </a:endParaRPr>
           </a:p>
         </p:txBody>
       </p:sp>
@@ -8038,6 +9088,13 @@
               </a:rPr>
               <a:t>("what is your name ? \n")</a:t>
             </a:r>
+            <a:endParaRPr lang="en-US" altLang="zh-CN" sz="2400" b="1" dirty="0">
+              <a:solidFill>
+                <a:schemeClr val="bg1"/>
+              </a:solidFill>
+              <a:latin typeface="微软雅黑" panose="020B0503020204020204" charset="-122"/>
+              <a:ea typeface="微软雅黑" panose="020B0503020204020204" charset="-122"/>
+            </a:endParaRPr>
           </a:p>
           <a:p>
             <a:endParaRPr lang="en-US" altLang="zh-CN" sz="2400" dirty="0">
@@ -8117,6 +9174,13 @@
               </a:rPr>
               <a:t> + </a:t>
             </a:r>
+            <a:endParaRPr lang="en-US" altLang="zh-CN" sz="2400" b="1" dirty="0">
+              <a:solidFill>
+                <a:schemeClr val="bg1"/>
+              </a:solidFill>
+              <a:latin typeface="微软雅黑" panose="020B0503020204020204" charset="-122"/>
+              <a:ea typeface="微软雅黑" panose="020B0503020204020204" charset="-122"/>
+            </a:endParaRPr>
           </a:p>
           <a:p>
             <a:r>
@@ -8149,6 +9213,13 @@
               </a:rPr>
               <a:t> python class!")</a:t>
             </a:r>
+            <a:endParaRPr lang="en-US" altLang="zh-CN" sz="2400" b="1" dirty="0">
+              <a:solidFill>
+                <a:schemeClr val="bg1"/>
+              </a:solidFill>
+              <a:latin typeface="微软雅黑" panose="020B0503020204020204" charset="-122"/>
+              <a:ea typeface="微软雅黑" panose="020B0503020204020204" charset="-122"/>
+            </a:endParaRPr>
           </a:p>
           <a:p>
             <a:endParaRPr lang="en-US" altLang="zh-CN" sz="2400" b="1" dirty="0">
@@ -8479,6 +9550,11 @@
               </a:rPr>
               <a:t>掏出一盒画图笔</a:t>
             </a:r>
+            <a:endParaRPr lang="zh-CN" altLang="en-US" sz="1400" dirty="0">
+              <a:solidFill>
+                <a:schemeClr val="bg1"/>
+              </a:solidFill>
+            </a:endParaRPr>
           </a:p>
           <a:p>
             <a:r>
@@ -8489,8 +9565,6 @@
               </a:rPr>
               <a:t>import turtle</a:t>
             </a:r>
-          </a:p>
-          <a:p>
             <a:endParaRPr lang="zh-CN" altLang="en-US" sz="1400" dirty="0">
               <a:solidFill>
                 <a:schemeClr val="bg1"/>
@@ -8498,6 +9572,13 @@
             </a:endParaRPr>
           </a:p>
           <a:p>
+            <a:endParaRPr lang="zh-CN" altLang="en-US" sz="1400" dirty="0">
+              <a:solidFill>
+                <a:schemeClr val="bg1"/>
+              </a:solidFill>
+            </a:endParaRPr>
+          </a:p>
+          <a:p>
             <a:r>
               <a:rPr lang="zh-CN" altLang="en-US" sz="1400" dirty="0">
                 <a:solidFill>
@@ -8506,6 +9587,11 @@
               </a:rPr>
               <a:t>#从盒中拿出一直铅笔，给它起个名字叫magicPen</a:t>
             </a:r>
+            <a:endParaRPr lang="zh-CN" altLang="en-US" sz="1400" dirty="0">
+              <a:solidFill>
+                <a:schemeClr val="bg1"/>
+              </a:solidFill>
+            </a:endParaRPr>
           </a:p>
           <a:p>
             <a:r>
@@ -8516,8 +9602,6 @@
               </a:rPr>
               <a:t>magicPen=turtle.Pen()</a:t>
             </a:r>
-          </a:p>
-          <a:p>
             <a:endParaRPr lang="zh-CN" altLang="en-US" sz="1400" dirty="0">
               <a:solidFill>
                 <a:schemeClr val="bg1"/>
@@ -8525,6 +9609,13 @@
             </a:endParaRPr>
           </a:p>
           <a:p>
+            <a:endParaRPr lang="zh-CN" altLang="en-US" sz="1400" dirty="0">
+              <a:solidFill>
+                <a:schemeClr val="bg1"/>
+              </a:solidFill>
+            </a:endParaRPr>
+          </a:p>
+          <a:p>
             <a:r>
               <a:rPr lang="zh-CN" altLang="en-US" sz="1400" dirty="0">
                 <a:solidFill>
@@ -8533,6 +9624,11 @@
               </a:rPr>
               <a:t>#请问画个正方形需要几步？</a:t>
             </a:r>
+            <a:endParaRPr lang="zh-CN" altLang="en-US" sz="1400" dirty="0">
+              <a:solidFill>
+                <a:schemeClr val="bg1"/>
+              </a:solidFill>
+            </a:endParaRPr>
           </a:p>
           <a:p>
             <a:r>
@@ -8543,6 +9639,11 @@
               </a:rPr>
               <a:t>#先画一条长100的直线</a:t>
             </a:r>
+            <a:endParaRPr lang="zh-CN" altLang="en-US" sz="1400" dirty="0">
+              <a:solidFill>
+                <a:schemeClr val="bg1"/>
+              </a:solidFill>
+            </a:endParaRPr>
           </a:p>
           <a:p>
             <a:r>
@@ -8553,6 +9654,11 @@
               </a:rPr>
               <a:t>magicPen.forward(100)</a:t>
             </a:r>
+            <a:endParaRPr lang="zh-CN" altLang="en-US" sz="1400" dirty="0">
+              <a:solidFill>
+                <a:schemeClr val="bg1"/>
+              </a:solidFill>
+            </a:endParaRPr>
           </a:p>
           <a:p>
             <a:r>
@@ -8563,6 +9669,11 @@
               </a:rPr>
               <a:t>#笔头转90度</a:t>
             </a:r>
+            <a:endParaRPr lang="zh-CN" altLang="en-US" sz="1400" dirty="0">
+              <a:solidFill>
+                <a:schemeClr val="bg1"/>
+              </a:solidFill>
+            </a:endParaRPr>
           </a:p>
           <a:p>
             <a:r>
@@ -8573,8 +9684,6 @@
               </a:rPr>
               <a:t>magicPen.left(90)</a:t>
             </a:r>
-          </a:p>
-          <a:p>
             <a:endParaRPr lang="zh-CN" altLang="en-US" sz="1400" dirty="0">
               <a:solidFill>
                 <a:schemeClr val="bg1"/>
@@ -8582,6 +9691,13 @@
             </a:endParaRPr>
           </a:p>
           <a:p>
+            <a:endParaRPr lang="zh-CN" altLang="en-US" sz="1400" dirty="0">
+              <a:solidFill>
+                <a:schemeClr val="bg1"/>
+              </a:solidFill>
+            </a:endParaRPr>
+          </a:p>
+          <a:p>
             <a:r>
               <a:rPr lang="zh-CN" altLang="en-US" sz="1400" dirty="0">
                 <a:solidFill>
@@ -8590,6 +9706,11 @@
               </a:rPr>
               <a:t>#重复上面这个步骤三次</a:t>
             </a:r>
+            <a:endParaRPr lang="zh-CN" altLang="en-US" sz="1400" dirty="0">
+              <a:solidFill>
+                <a:schemeClr val="bg1"/>
+              </a:solidFill>
+            </a:endParaRPr>
           </a:p>
           <a:p>
             <a:r>
@@ -8600,6 +9721,11 @@
               </a:rPr>
               <a:t>magicPen.forward(100)</a:t>
             </a:r>
+            <a:endParaRPr lang="zh-CN" altLang="en-US" sz="1400" dirty="0">
+              <a:solidFill>
+                <a:schemeClr val="bg1"/>
+              </a:solidFill>
+            </a:endParaRPr>
           </a:p>
           <a:p>
             <a:r>
@@ -8610,8 +9736,6 @@
               </a:rPr>
               <a:t>magicPen.left(90)</a:t>
             </a:r>
-          </a:p>
-          <a:p>
             <a:endParaRPr lang="zh-CN" altLang="en-US" sz="1400" dirty="0">
               <a:solidFill>
                 <a:schemeClr val="bg1"/>
@@ -8619,6 +9743,13 @@
             </a:endParaRPr>
           </a:p>
           <a:p>
+            <a:endParaRPr lang="zh-CN" altLang="en-US" sz="1400" dirty="0">
+              <a:solidFill>
+                <a:schemeClr val="bg1"/>
+              </a:solidFill>
+            </a:endParaRPr>
+          </a:p>
+          <a:p>
             <a:r>
               <a:rPr lang="zh-CN" altLang="en-US" sz="1400" dirty="0">
                 <a:solidFill>
@@ -8627,6 +9758,11 @@
               </a:rPr>
               <a:t>magicPen.forward(100)</a:t>
             </a:r>
+            <a:endParaRPr lang="zh-CN" altLang="en-US" sz="1400" dirty="0">
+              <a:solidFill>
+                <a:schemeClr val="bg1"/>
+              </a:solidFill>
+            </a:endParaRPr>
           </a:p>
           <a:p>
             <a:r>
@@ -8637,8 +9773,6 @@
               </a:rPr>
               <a:t>magicPen.left(90)</a:t>
             </a:r>
-          </a:p>
-          <a:p>
             <a:endParaRPr lang="zh-CN" altLang="en-US" sz="1400" dirty="0">
               <a:solidFill>
                 <a:schemeClr val="bg1"/>
@@ -8646,6 +9780,13 @@
             </a:endParaRPr>
           </a:p>
           <a:p>
+            <a:endParaRPr lang="zh-CN" altLang="en-US" sz="1400" dirty="0">
+              <a:solidFill>
+                <a:schemeClr val="bg1"/>
+              </a:solidFill>
+            </a:endParaRPr>
+          </a:p>
+          <a:p>
             <a:r>
               <a:rPr lang="zh-CN" altLang="en-US" sz="1400" dirty="0">
                 <a:solidFill>
@@ -8654,6 +9795,11 @@
               </a:rPr>
               <a:t>magicPen.forward(100)</a:t>
             </a:r>
+            <a:endParaRPr lang="zh-CN" altLang="en-US" sz="1400" dirty="0">
+              <a:solidFill>
+                <a:schemeClr val="bg1"/>
+              </a:solidFill>
+            </a:endParaRPr>
           </a:p>
           <a:p>
             <a:r>
@@ -8664,8 +9810,6 @@
               </a:rPr>
               <a:t>magicPen.left(90)</a:t>
             </a:r>
-          </a:p>
-          <a:p>
             <a:endParaRPr lang="zh-CN" altLang="en-US" sz="1400" dirty="0">
               <a:solidFill>
                 <a:schemeClr val="bg1"/>
@@ -8673,6 +9817,13 @@
             </a:endParaRPr>
           </a:p>
           <a:p>
+            <a:endParaRPr lang="zh-CN" altLang="en-US" sz="1400" dirty="0">
+              <a:solidFill>
+                <a:schemeClr val="bg1"/>
+              </a:solidFill>
+            </a:endParaRPr>
+          </a:p>
+          <a:p>
             <a:r>
               <a:rPr lang="en-US" altLang="zh-CN" sz="1400" dirty="0">
                 <a:solidFill>
@@ -8704,6 +9855,11 @@
               </a:rPr>
               <a:t>turtle.mainloop()</a:t>
             </a:r>
+            <a:endParaRPr lang="zh-CN" altLang="en-US" sz="1400" dirty="0">
+              <a:solidFill>
+                <a:schemeClr val="bg1"/>
+              </a:solidFill>
+            </a:endParaRPr>
           </a:p>
           <a:p>
             <a:r>
@@ -8714,6 +9870,11 @@
               </a:rPr>
               <a:t>#记得把画笔盒子关上</a:t>
             </a:r>
+            <a:endParaRPr lang="zh-CN" altLang="en-US" sz="1400" dirty="0">
+              <a:solidFill>
+                <a:schemeClr val="bg1"/>
+              </a:solidFill>
+            </a:endParaRPr>
           </a:p>
           <a:p>
             <a:r>
@@ -8724,6 +9885,11 @@
               </a:rPr>
               <a:t>turtle.bye()</a:t>
             </a:r>
+            <a:endParaRPr lang="zh-CN" altLang="en-US" sz="1400" dirty="0">
+              <a:solidFill>
+                <a:schemeClr val="bg1"/>
+              </a:solidFill>
+            </a:endParaRPr>
           </a:p>
         </p:txBody>
       </p:sp>
@@ -8859,6 +10025,13 @@
               </a:rPr>
               <a:t>画个正方形需要几步？</a:t>
             </a:r>
+            <a:endParaRPr lang="zh-CN" altLang="en-US" sz="2000" dirty="0">
+              <a:solidFill>
+                <a:schemeClr val="bg1"/>
+              </a:solidFill>
+              <a:latin typeface="微软雅黑" panose="020B0503020204020204" charset="-122"/>
+              <a:ea typeface="微软雅黑" panose="020B0503020204020204" charset="-122"/>
+            </a:endParaRPr>
           </a:p>
         </p:txBody>
       </p:sp>
@@ -9148,8 +10321,265 @@
       </a:bgFillStyleLst>
     </a:fmtScheme>
   </a:themeElements>
-  <a:objectDefaults/>
-  <a:extraClrSchemeLst/>
+  <a:extLst>
+    <a:ext uri="{05A4C25C-085E-4340-85A3-A5531E510DB2}">
+      <thm15:themeFamily xmlns:thm15="http://schemas.microsoft.com/office/thememl/2012/main" name="Office Theme" id="{62F939B6-93AF-4DB8-9C6B-D6C7DFDC589F}" vid="{4A3C46E8-61CC-4603-A589-7422A47A8E4A}"/>
+    </a:ext>
+  </a:extLst>
+</a:theme>
+</file>
+
+<file path=ppt/theme/theme2.xml><?xml version="1.0" encoding="utf-8"?>
+<a:theme xmlns:a="http://schemas.openxmlformats.org/drawingml/2006/main" name="Office 主题">
+  <a:themeElements>
+    <a:clrScheme name="Office">
+      <a:dk1>
+        <a:sysClr val="windowText" lastClr="000000"/>
+      </a:dk1>
+      <a:lt1>
+        <a:sysClr val="window" lastClr="FFFFFF"/>
+      </a:lt1>
+      <a:dk2>
+        <a:srgbClr val="44546A"/>
+      </a:dk2>
+      <a:lt2>
+        <a:srgbClr val="E7E6E6"/>
+      </a:lt2>
+      <a:accent1>
+        <a:srgbClr val="5B9BD5"/>
+      </a:accent1>
+      <a:accent2>
+        <a:srgbClr val="ED7D31"/>
+      </a:accent2>
+      <a:accent3>
+        <a:srgbClr val="A5A5A5"/>
+      </a:accent3>
+      <a:accent4>
+        <a:srgbClr val="FFC000"/>
+      </a:accent4>
+      <a:accent5>
+        <a:srgbClr val="4472C4"/>
+      </a:accent5>
+      <a:accent6>
+        <a:srgbClr val="70AD47"/>
+      </a:accent6>
+      <a:hlink>
+        <a:srgbClr val="0563C1"/>
+      </a:hlink>
+      <a:folHlink>
+        <a:srgbClr val="954F72"/>
+      </a:folHlink>
+    </a:clrScheme>
+    <a:fontScheme name="Office">
+      <a:majorFont>
+        <a:latin typeface="Calibri Light"/>
+        <a:ea typeface=""/>
+        <a:cs typeface=""/>
+        <a:font script="Jpan" typeface="ＭＳ Ｐゴシック"/>
+        <a:font script="Hang" typeface="맑은 고딕"/>
+        <a:font script="Hans" typeface="宋体"/>
+        <a:font script="Hant" typeface="新細明體"/>
+        <a:font script="Arab" typeface="Times New Roman"/>
+        <a:font script="Hebr" typeface="Times New Roman"/>
+        <a:font script="Thai" typeface="Angsana New"/>
+        <a:font script="Ethi" typeface="Nyala"/>
+        <a:font script="Beng" typeface="Vrinda"/>
+        <a:font script="Gujr" typeface="Shruti"/>
+        <a:font script="Khmr" typeface="MoolBoran"/>
+        <a:font script="Knda" typeface="Tunga"/>
+        <a:font script="Guru" typeface="Raavi"/>
+        <a:font script="Cans" typeface="Euphemia"/>
+        <a:font script="Cher" typeface="Plantagenet Cherokee"/>
+        <a:font script="Yiii" typeface="Microsoft Yi Baiti"/>
+        <a:font script="Tibt" typeface="Microsoft Himalaya"/>
+        <a:font script="Thaa" typeface="MV Boli"/>
+        <a:font script="Deva" typeface="Mangal"/>
+        <a:font script="Telu" typeface="Gautami"/>
+        <a:font script="Taml" typeface="Latha"/>
+        <a:font script="Syrc" typeface="Estrangelo Edessa"/>
+        <a:font script="Orya" typeface="Kalinga"/>
+        <a:font script="Mlym" typeface="Kartika"/>
+        <a:font script="Laoo" typeface="DokChampa"/>
+        <a:font script="Sinh" typeface="Iskoola Pota"/>
+        <a:font script="Mong" typeface="Mongolian Baiti"/>
+        <a:font script="Viet" typeface="Times New Roman"/>
+        <a:font script="Uigh" typeface="Microsoft Uighur"/>
+        <a:font script="Geor" typeface="Sylfaen"/>
+      </a:majorFont>
+      <a:minorFont>
+        <a:latin typeface="Calibri"/>
+        <a:ea typeface=""/>
+        <a:cs typeface=""/>
+        <a:font script="Jpan" typeface="ＭＳ Ｐゴシック"/>
+        <a:font script="Hang" typeface="맑은 고딕"/>
+        <a:font script="Hans" typeface="宋体"/>
+        <a:font script="Hant" typeface="新細明體"/>
+        <a:font script="Arab" typeface="Arial"/>
+        <a:font script="Hebr" typeface="Arial"/>
+        <a:font script="Thai" typeface="Cordia New"/>
+        <a:font script="Ethi" typeface="Nyala"/>
+        <a:font script="Beng" typeface="Vrinda"/>
+        <a:font script="Gujr" typeface="Shruti"/>
+        <a:font script="Khmr" typeface="DaunPenh"/>
+        <a:font script="Knda" typeface="Tunga"/>
+        <a:font script="Guru" typeface="Raavi"/>
+        <a:font script="Cans" typeface="Euphemia"/>
+        <a:font script="Cher" typeface="Plantagenet Cherokee"/>
+        <a:font script="Yiii" typeface="Microsoft Yi Baiti"/>
+        <a:font script="Tibt" typeface="Microsoft Himalaya"/>
+        <a:font script="Thaa" typeface="MV Boli"/>
+        <a:font script="Deva" typeface="Mangal"/>
+        <a:font script="Telu" typeface="Gautami"/>
+        <a:font script="Taml" typeface="Latha"/>
+        <a:font script="Syrc" typeface="Estrangelo Edessa"/>
+        <a:font script="Orya" typeface="Kalinga"/>
+        <a:font script="Mlym" typeface="Kartika"/>
+        <a:font script="Laoo" typeface="DokChampa"/>
+        <a:font script="Sinh" typeface="Iskoola Pota"/>
+        <a:font script="Mong" typeface="Mongolian Baiti"/>
+        <a:font script="Viet" typeface="Arial"/>
+        <a:font script="Uigh" typeface="Microsoft Uighur"/>
+        <a:font script="Geor" typeface="Sylfaen"/>
+      </a:minorFont>
+    </a:fontScheme>
+    <a:fmtScheme name="Office">
+      <a:fillStyleLst>
+        <a:solidFill>
+          <a:schemeClr val="phClr"/>
+        </a:solidFill>
+        <a:gradFill rotWithShape="1">
+          <a:gsLst>
+            <a:gs pos="0">
+              <a:schemeClr val="phClr">
+                <a:lumMod val="110000"/>
+                <a:satMod val="105000"/>
+                <a:tint val="67000"/>
+              </a:schemeClr>
+            </a:gs>
+            <a:gs pos="50000">
+              <a:schemeClr val="phClr">
+                <a:lumMod val="105000"/>
+                <a:satMod val="103000"/>
+                <a:tint val="73000"/>
+              </a:schemeClr>
+            </a:gs>
+            <a:gs pos="100000">
+              <a:schemeClr val="phClr">
+                <a:lumMod val="105000"/>
+                <a:satMod val="109000"/>
+                <a:tint val="81000"/>
+              </a:schemeClr>
+            </a:gs>
+          </a:gsLst>
+          <a:lin ang="5400000" scaled="0"/>
+        </a:gradFill>
+        <a:gradFill rotWithShape="1">
+          <a:gsLst>
+            <a:gs pos="0">
+              <a:schemeClr val="phClr">
+                <a:satMod val="103000"/>
+                <a:lumMod val="102000"/>
+                <a:tint val="94000"/>
+              </a:schemeClr>
+            </a:gs>
+            <a:gs pos="50000">
+              <a:schemeClr val="phClr">
+                <a:satMod val="110000"/>
+                <a:lumMod val="100000"/>
+                <a:shade val="100000"/>
+              </a:schemeClr>
+            </a:gs>
+            <a:gs pos="100000">
+              <a:schemeClr val="phClr">
+                <a:lumMod val="99000"/>
+                <a:satMod val="120000"/>
+                <a:shade val="78000"/>
+              </a:schemeClr>
+            </a:gs>
+          </a:gsLst>
+          <a:lin ang="5400000" scaled="0"/>
+        </a:gradFill>
+      </a:fillStyleLst>
+      <a:lnStyleLst>
+        <a:ln w="6350" cap="flat" cmpd="sng" algn="ctr">
+          <a:solidFill>
+            <a:schemeClr val="phClr"/>
+          </a:solidFill>
+          <a:prstDash val="solid"/>
+          <a:miter lim="800000"/>
+        </a:ln>
+        <a:ln w="12700" cap="flat" cmpd="sng" algn="ctr">
+          <a:solidFill>
+            <a:schemeClr val="phClr"/>
+          </a:solidFill>
+          <a:prstDash val="solid"/>
+          <a:miter lim="800000"/>
+        </a:ln>
+        <a:ln w="19050" cap="flat" cmpd="sng" algn="ctr">
+          <a:solidFill>
+            <a:schemeClr val="phClr"/>
+          </a:solidFill>
+          <a:prstDash val="solid"/>
+          <a:miter lim="800000"/>
+        </a:ln>
+      </a:lnStyleLst>
+      <a:effectStyleLst>
+        <a:effectStyle>
+          <a:effectLst/>
+        </a:effectStyle>
+        <a:effectStyle>
+          <a:effectLst/>
+        </a:effectStyle>
+        <a:effectStyle>
+          <a:effectLst>
+            <a:outerShdw blurRad="57150" dist="19050" dir="5400000" algn="ctr" rotWithShape="0">
+              <a:srgbClr val="000000">
+                <a:alpha val="63000"/>
+              </a:srgbClr>
+            </a:outerShdw>
+          </a:effectLst>
+        </a:effectStyle>
+      </a:effectStyleLst>
+      <a:bgFillStyleLst>
+        <a:solidFill>
+          <a:schemeClr val="phClr"/>
+        </a:solidFill>
+        <a:solidFill>
+          <a:schemeClr val="phClr">
+            <a:tint val="95000"/>
+            <a:satMod val="170000"/>
+          </a:schemeClr>
+        </a:solidFill>
+        <a:gradFill rotWithShape="1">
+          <a:gsLst>
+            <a:gs pos="0">
+              <a:schemeClr val="phClr">
+                <a:tint val="93000"/>
+                <a:satMod val="150000"/>
+                <a:shade val="98000"/>
+                <a:lumMod val="102000"/>
+              </a:schemeClr>
+            </a:gs>
+            <a:gs pos="50000">
+              <a:schemeClr val="phClr">
+                <a:tint val="98000"/>
+                <a:satMod val="130000"/>
+                <a:shade val="90000"/>
+                <a:lumMod val="103000"/>
+              </a:schemeClr>
+            </a:gs>
+            <a:gs pos="100000">
+              <a:schemeClr val="phClr">
+                <a:shade val="63000"/>
+                <a:satMod val="120000"/>
+              </a:schemeClr>
+            </a:gs>
+          </a:gsLst>
+          <a:lin ang="5400000" scaled="0"/>
+        </a:gradFill>
+      </a:bgFillStyleLst>
+    </a:fmtScheme>
+  </a:themeElements>
   <a:extLst>
     <a:ext uri="{05A4C25C-085E-4340-85A3-A5531E510DB2}">
       <thm15:themeFamily xmlns:thm15="http://schemas.microsoft.com/office/thememl/2012/main" name="Office Theme" id="{62F939B6-93AF-4DB8-9C6B-D6C7DFDC589F}" vid="{4A3C46E8-61CC-4603-A589-7422A47A8E4A}"/>

--- a/Python体验课.pptx
+++ b/Python体验课.pptx
@@ -5,19 +5,19 @@
     <p:sldMasterId id="2147483648" r:id="rId1"/>
   </p:sldMasterIdLst>
   <p:notesMasterIdLst>
-    <p:notesMasterId r:id="rId13"/>
+    <p:notesMasterId r:id="rId5"/>
   </p:notesMasterIdLst>
   <p:sldIdLst>
     <p:sldId id="272" r:id="rId3"/>
     <p:sldId id="273" r:id="rId4"/>
-    <p:sldId id="274" r:id="rId5"/>
-    <p:sldId id="275" r:id="rId6"/>
-    <p:sldId id="276" r:id="rId7"/>
-    <p:sldId id="277" r:id="rId8"/>
-    <p:sldId id="278" r:id="rId9"/>
-    <p:sldId id="279" r:id="rId10"/>
-    <p:sldId id="280" r:id="rId11"/>
-    <p:sldId id="281" r:id="rId12"/>
+    <p:sldId id="274" r:id="rId6"/>
+    <p:sldId id="275" r:id="rId7"/>
+    <p:sldId id="276" r:id="rId8"/>
+    <p:sldId id="277" r:id="rId9"/>
+    <p:sldId id="278" r:id="rId10"/>
+    <p:sldId id="279" r:id="rId11"/>
+    <p:sldId id="280" r:id="rId12"/>
+    <p:sldId id="281" r:id="rId13"/>
     <p:sldId id="282" r:id="rId14"/>
     <p:sldId id="283" r:id="rId15"/>
     <p:sldId id="284" r:id="rId16"/>
@@ -472,6 +472,50 @@
 </file>
 
 <file path=ppt/notesSlides/notesSlide1.xml><?xml version="1.0" encoding="utf-8"?>
+<p:notes xmlns:a="http://schemas.openxmlformats.org/drawingml/2006/main" xmlns:r="http://schemas.openxmlformats.org/officeDocument/2006/relationships" xmlns:p="http://schemas.openxmlformats.org/presentationml/2006/main">
+  <p:cSld>
+    <p:spTree>
+      <p:nvGrpSpPr>
+        <p:cNvPr id="1" name=""/>
+        <p:cNvGrpSpPr/>
+        <p:nvPr/>
+      </p:nvGrpSpPr>
+      <p:grpSpPr/>
+      <p:sp>
+        <p:nvSpPr>
+          <p:cNvPr id="2" name="幻灯片图像占位符 1"/>
+          <p:cNvSpPr/>
+          <p:nvPr>
+            <p:ph type="sldImg" idx="2"/>
+          </p:nvPr>
+        </p:nvSpPr>
+        <p:spPr/>
+      </p:sp>
+      <p:sp>
+        <p:nvSpPr>
+          <p:cNvPr id="3" name="文本占位符 2"/>
+          <p:cNvSpPr/>
+          <p:nvPr>
+            <p:ph type="body" idx="3"/>
+          </p:nvPr>
+        </p:nvSpPr>
+        <p:spPr/>
+        <p:txBody>
+          <a:bodyPr/>
+          <a:p>
+            <a:endParaRPr lang="zh-CN" altLang="en-US"/>
+          </a:p>
+        </p:txBody>
+      </p:sp>
+    </p:spTree>
+  </p:cSld>
+  <p:clrMapOvr>
+    <a:masterClrMapping/>
+  </p:clrMapOvr>
+</p:notes>
+</file>
+
+<file path=ppt/notesSlides/notesSlide2.xml><?xml version="1.0" encoding="utf-8"?>
 <p:notes xmlns:a="http://schemas.openxmlformats.org/drawingml/2006/main" xmlns:r="http://schemas.openxmlformats.org/officeDocument/2006/relationships" xmlns:p="http://schemas.openxmlformats.org/presentationml/2006/main">
   <p:cSld>
     <p:spTree>
@@ -3531,7 +3575,7 @@
                   </a:schemeClr>
                 </a:solidFill>
               </a:rPr>
-              <a:t>vipjr</a:t>
+              <a:t>vipJR</a:t>
             </a:r>
             <a:endParaRPr lang="en-US" altLang="zh-CN" dirty="0">
               <a:solidFill>
@@ -4932,7 +4976,7 @@
         </p:nvSpPr>
         <p:spPr>
           <a:xfrm>
-            <a:off x="2233292" y="476672"/>
+            <a:off x="2059302" y="357292"/>
             <a:ext cx="6480720" cy="5015865"/>
           </a:xfrm>
           <a:prstGeom prst="rect">
@@ -7175,7 +7219,7 @@
         </p:nvSpPr>
         <p:spPr>
           <a:xfrm>
-            <a:off x="3431704" y="1772816"/>
+            <a:off x="3392969" y="1782341"/>
             <a:ext cx="4896544" cy="2306687"/>
           </a:xfrm>
           <a:prstGeom prst="rect">
@@ -8752,7 +8796,7 @@
         </p:nvSpPr>
         <p:spPr>
           <a:xfrm>
-            <a:off x="5015880" y="3573016"/>
+            <a:off x="4987305" y="3573016"/>
             <a:ext cx="5403850" cy="1630045"/>
           </a:xfrm>
           <a:prstGeom prst="rect">
@@ -8985,7 +9029,7 @@
         </p:nvSpPr>
         <p:spPr>
           <a:xfrm>
-            <a:off x="2658680" y="1484784"/>
+            <a:off x="3301300" y="1446049"/>
             <a:ext cx="6805930" cy="3291840"/>
           </a:xfrm>
           <a:prstGeom prst="rect">
@@ -8999,6 +9043,7 @@
           </a:bodyPr>
           <a:lstStyle/>
           <a:p>
+            <a:pPr algn="l"/>
             <a:r>
               <a:rPr lang="en-US" altLang="zh-CN" sz="2000" dirty="0">
                 <a:solidFill>
@@ -9048,6 +9093,7 @@
             </a:endParaRPr>
           </a:p>
           <a:p>
+            <a:pPr algn="l"/>
             <a:r>
               <a:rPr lang="en-US" altLang="zh-CN" sz="2400" b="1" dirty="0">
                 <a:solidFill>
@@ -9097,6 +9143,7 @@
             </a:endParaRPr>
           </a:p>
           <a:p>
+            <a:pPr algn="l"/>
             <a:endParaRPr lang="en-US" altLang="zh-CN" sz="2400" dirty="0">
               <a:solidFill>
                 <a:schemeClr val="bg1"/>
@@ -9106,6 +9153,7 @@
             </a:endParaRPr>
           </a:p>
           <a:p>
+            <a:pPr algn="l"/>
             <a:endParaRPr lang="en-US" altLang="zh-CN" sz="2400" dirty="0">
               <a:solidFill>
                 <a:schemeClr val="bg1"/>
@@ -9115,6 +9163,7 @@
             </a:endParaRPr>
           </a:p>
           <a:p>
+            <a:pPr algn="l"/>
             <a:r>
               <a:rPr lang="en-US" altLang="zh-CN" sz="2000" dirty="0">
                 <a:solidFill>
@@ -9133,7 +9182,7 @@
                 <a:latin typeface="微软雅黑" panose="020B0503020204020204" charset="-122"/>
                 <a:ea typeface="微软雅黑" panose="020B0503020204020204" charset="-122"/>
               </a:rPr>
-              <a:t>按实现写好的格式拼接输入的内容，显示在屏幕上</a:t>
+              <a:t>按事先写好的格式拼接输入的内容，显示在屏幕上</a:t>
             </a:r>
             <a:endParaRPr lang="en-US" altLang="zh-CN" sz="2000" dirty="0">
               <a:solidFill>
@@ -9144,6 +9193,7 @@
             </a:endParaRPr>
           </a:p>
           <a:p>
+            <a:pPr algn="l"/>
             <a:r>
               <a:rPr lang="en-US" altLang="zh-CN" sz="2400" b="1" dirty="0">
                 <a:solidFill>
@@ -9152,7 +9202,7 @@
                 <a:latin typeface="微软雅黑" panose="020B0503020204020204" charset="-122"/>
                 <a:ea typeface="微软雅黑" panose="020B0503020204020204" charset="-122"/>
               </a:rPr>
-              <a:t>print(“Hello " + </a:t>
+              <a:t>print("Hello " + </a:t>
             </a:r>
             <a:r>
               <a:rPr lang="en-US" altLang="zh-CN" sz="2400" b="1" dirty="0">
@@ -9183,6 +9233,7 @@
             </a:endParaRPr>
           </a:p>
           <a:p>
+            <a:pPr algn="l"/>
             <a:r>
               <a:rPr lang="en-US" altLang="zh-CN" sz="2400" b="1" dirty="0">
                 <a:solidFill>
@@ -9191,7 +9242,7 @@
                 <a:latin typeface="微软雅黑" panose="020B0503020204020204" charset="-122"/>
                 <a:ea typeface="微软雅黑" panose="020B0503020204020204" charset="-122"/>
               </a:rPr>
-              <a:t>    “ welcome to </a:t>
+              <a:t>    " welcome to </a:t>
             </a:r>
             <a:r>
               <a:rPr lang="en-US" altLang="zh-CN" sz="2400" b="1" dirty="0" err="1">
@@ -9222,6 +9273,7 @@
             </a:endParaRPr>
           </a:p>
           <a:p>
+            <a:pPr algn="l"/>
             <a:endParaRPr lang="en-US" altLang="zh-CN" sz="2400" b="1" dirty="0">
               <a:solidFill>
                 <a:schemeClr val="bg1"/>
@@ -9231,6 +9283,7 @@
             </a:endParaRPr>
           </a:p>
           <a:p>
+            <a:pPr algn="l"/>
             <a:r>
               <a:rPr lang="en-US" altLang="zh-CN" sz="2400" b="1" dirty="0">
                 <a:solidFill>
